--- a/Projekt Dokumente/Präsentation.pptx
+++ b/Projekt Dokumente/Präsentation.pptx
@@ -6,6 +6,17 @@
   </p:sldMasterIdLst>
   <p:sldIdLst>
     <p:sldId id="256" r:id="rId2"/>
+    <p:sldId id="262" r:id="rId3"/>
+    <p:sldId id="257" r:id="rId4"/>
+    <p:sldId id="263" r:id="rId5"/>
+    <p:sldId id="258" r:id="rId6"/>
+    <p:sldId id="259" r:id="rId7"/>
+    <p:sldId id="267" r:id="rId8"/>
+    <p:sldId id="260" r:id="rId9"/>
+    <p:sldId id="261" r:id="rId10"/>
+    <p:sldId id="264" r:id="rId11"/>
+    <p:sldId id="265" r:id="rId12"/>
+    <p:sldId id="266" r:id="rId13"/>
   </p:sldIdLst>
   <p:sldSz cx="12192000" cy="6858000"/>
   <p:notesSz cx="6858000" cy="9144000"/>
@@ -104,6 +115,11 @@
       </a:defRPr>
     </a:lvl9pPr>
   </p:defaultTextStyle>
+  <p:extLst>
+    <p:ext uri="{EFAFB233-063F-42B5-8137-9DF3F51BA10A}">
+      <p15:sldGuideLst xmlns:p15="http://schemas.microsoft.com/office/powerpoint/2012/main"/>
+    </p:ext>
+  </p:extLst>
 </p:presentation>
 </file>
 
@@ -852,7 +868,7 @@
           <a:p>
             <a:fld id="{6B2B2BAA-5FA6-48DB-8AFE-55E100C6A104}" type="datetimeFigureOut">
               <a:rPr lang="de-CH" smtClean="0"/>
-              <a:t>08.12.2017</a:t>
+              <a:t>09.12.2017</a:t>
             </a:fld>
             <a:endParaRPr lang="de-CH"/>
           </a:p>
@@ -1103,7 +1119,7 @@
           <a:p>
             <a:fld id="{6B2B2BAA-5FA6-48DB-8AFE-55E100C6A104}" type="datetimeFigureOut">
               <a:rPr lang="de-CH" smtClean="0"/>
-              <a:t>08.12.2017</a:t>
+              <a:t>09.12.2017</a:t>
             </a:fld>
             <a:endParaRPr lang="de-CH"/>
           </a:p>
@@ -1417,7 +1433,7 @@
           <a:p>
             <a:fld id="{6B2B2BAA-5FA6-48DB-8AFE-55E100C6A104}" type="datetimeFigureOut">
               <a:rPr lang="de-CH" smtClean="0"/>
-              <a:t>08.12.2017</a:t>
+              <a:t>09.12.2017</a:t>
             </a:fld>
             <a:endParaRPr lang="de-CH"/>
           </a:p>
@@ -1750,7 +1766,7 @@
           <a:p>
             <a:fld id="{6B2B2BAA-5FA6-48DB-8AFE-55E100C6A104}" type="datetimeFigureOut">
               <a:rPr lang="de-CH" smtClean="0"/>
-              <a:t>08.12.2017</a:t>
+              <a:t>09.12.2017</a:t>
             </a:fld>
             <a:endParaRPr lang="de-CH"/>
           </a:p>
@@ -2064,7 +2080,7 @@
           <a:p>
             <a:fld id="{6B2B2BAA-5FA6-48DB-8AFE-55E100C6A104}" type="datetimeFigureOut">
               <a:rPr lang="de-CH" smtClean="0"/>
-              <a:t>08.12.2017</a:t>
+              <a:t>09.12.2017</a:t>
             </a:fld>
             <a:endParaRPr lang="de-CH"/>
           </a:p>
@@ -2457,7 +2473,7 @@
           <a:p>
             <a:fld id="{6B2B2BAA-5FA6-48DB-8AFE-55E100C6A104}" type="datetimeFigureOut">
               <a:rPr lang="de-CH" smtClean="0"/>
-              <a:t>08.12.2017</a:t>
+              <a:t>09.12.2017</a:t>
             </a:fld>
             <a:endParaRPr lang="de-CH"/>
           </a:p>
@@ -2627,7 +2643,7 @@
           <a:p>
             <a:fld id="{6B2B2BAA-5FA6-48DB-8AFE-55E100C6A104}" type="datetimeFigureOut">
               <a:rPr lang="de-CH" smtClean="0"/>
-              <a:t>08.12.2017</a:t>
+              <a:t>09.12.2017</a:t>
             </a:fld>
             <a:endParaRPr lang="de-CH"/>
           </a:p>
@@ -2807,7 +2823,7 @@
           <a:p>
             <a:fld id="{6B2B2BAA-5FA6-48DB-8AFE-55E100C6A104}" type="datetimeFigureOut">
               <a:rPr lang="de-CH" smtClean="0"/>
-              <a:t>08.12.2017</a:t>
+              <a:t>09.12.2017</a:t>
             </a:fld>
             <a:endParaRPr lang="de-CH"/>
           </a:p>
@@ -2977,7 +2993,7 @@
           <a:p>
             <a:fld id="{6B2B2BAA-5FA6-48DB-8AFE-55E100C6A104}" type="datetimeFigureOut">
               <a:rPr lang="de-CH" smtClean="0"/>
-              <a:t>08.12.2017</a:t>
+              <a:t>09.12.2017</a:t>
             </a:fld>
             <a:endParaRPr lang="de-CH"/>
           </a:p>
@@ -3224,7 +3240,7 @@
           <a:p>
             <a:fld id="{6B2B2BAA-5FA6-48DB-8AFE-55E100C6A104}" type="datetimeFigureOut">
               <a:rPr lang="de-CH" smtClean="0"/>
-              <a:t>08.12.2017</a:t>
+              <a:t>09.12.2017</a:t>
             </a:fld>
             <a:endParaRPr lang="de-CH"/>
           </a:p>
@@ -3456,7 +3472,7 @@
           <a:p>
             <a:fld id="{6B2B2BAA-5FA6-48DB-8AFE-55E100C6A104}" type="datetimeFigureOut">
               <a:rPr lang="de-CH" smtClean="0"/>
-              <a:t>08.12.2017</a:t>
+              <a:t>09.12.2017</a:t>
             </a:fld>
             <a:endParaRPr lang="de-CH"/>
           </a:p>
@@ -3830,7 +3846,7 @@
           <a:p>
             <a:fld id="{6B2B2BAA-5FA6-48DB-8AFE-55E100C6A104}" type="datetimeFigureOut">
               <a:rPr lang="de-CH" smtClean="0"/>
-              <a:t>08.12.2017</a:t>
+              <a:t>09.12.2017</a:t>
             </a:fld>
             <a:endParaRPr lang="de-CH"/>
           </a:p>
@@ -3953,7 +3969,7 @@
           <a:p>
             <a:fld id="{6B2B2BAA-5FA6-48DB-8AFE-55E100C6A104}" type="datetimeFigureOut">
               <a:rPr lang="de-CH" smtClean="0"/>
-              <a:t>08.12.2017</a:t>
+              <a:t>09.12.2017</a:t>
             </a:fld>
             <a:endParaRPr lang="de-CH"/>
           </a:p>
@@ -4048,7 +4064,7 @@
           <a:p>
             <a:fld id="{6B2B2BAA-5FA6-48DB-8AFE-55E100C6A104}" type="datetimeFigureOut">
               <a:rPr lang="de-CH" smtClean="0"/>
-              <a:t>08.12.2017</a:t>
+              <a:t>09.12.2017</a:t>
             </a:fld>
             <a:endParaRPr lang="de-CH"/>
           </a:p>
@@ -4303,7 +4319,7 @@
           <a:p>
             <a:fld id="{6B2B2BAA-5FA6-48DB-8AFE-55E100C6A104}" type="datetimeFigureOut">
               <a:rPr lang="de-CH" smtClean="0"/>
-              <a:t>08.12.2017</a:t>
+              <a:t>09.12.2017</a:t>
             </a:fld>
             <a:endParaRPr lang="de-CH"/>
           </a:p>
@@ -4608,7 +4624,7 @@
           <a:p>
             <a:fld id="{6B2B2BAA-5FA6-48DB-8AFE-55E100C6A104}" type="datetimeFigureOut">
               <a:rPr lang="de-CH" smtClean="0"/>
-              <a:t>08.12.2017</a:t>
+              <a:t>09.12.2017</a:t>
             </a:fld>
             <a:endParaRPr lang="de-CH"/>
           </a:p>
@@ -5310,7 +5326,7 @@
           <a:p>
             <a:fld id="{6B2B2BAA-5FA6-48DB-8AFE-55E100C6A104}" type="datetimeFigureOut">
               <a:rPr lang="de-CH" smtClean="0"/>
-              <a:t>08.12.2017</a:t>
+              <a:t>09.12.2017</a:t>
             </a:fld>
             <a:endParaRPr lang="de-CH"/>
           </a:p>
@@ -6049,6 +6065,1400 @@
 </p:sld>
 </file>
 
+<file path=ppt/slides/slide10.xml><?xml version="1.0" encoding="utf-8"?>
+<p:sld xmlns:a="http://schemas.openxmlformats.org/drawingml/2006/main" xmlns:r="http://schemas.openxmlformats.org/officeDocument/2006/relationships" xmlns:p="http://schemas.openxmlformats.org/presentationml/2006/main">
+  <p:cSld>
+    <p:spTree>
+      <p:nvGrpSpPr>
+        <p:cNvPr id="1" name=""/>
+        <p:cNvGrpSpPr/>
+        <p:nvPr/>
+      </p:nvGrpSpPr>
+      <p:grpSpPr>
+        <a:xfrm>
+          <a:off x="0" y="0"/>
+          <a:ext cx="0" cy="0"/>
+          <a:chOff x="0" y="0"/>
+          <a:chExt cx="0" cy="0"/>
+        </a:xfrm>
+      </p:grpSpPr>
+      <p:sp>
+        <p:nvSpPr>
+          <p:cNvPr id="2" name="Titel 1"/>
+          <p:cNvSpPr>
+            <a:spLocks noGrp="1"/>
+          </p:cNvSpPr>
+          <p:nvPr>
+            <p:ph type="title"/>
+          </p:nvPr>
+        </p:nvSpPr>
+        <p:spPr/>
+        <p:txBody>
+          <a:bodyPr/>
+          <a:lstStyle/>
+          <a:p>
+            <a:r>
+              <a:rPr lang="en-US" dirty="0"/>
+              <a:t>Reto Scherrer</a:t>
+            </a:r>
+            <a:endParaRPr lang="de-CH" dirty="0"/>
+          </a:p>
+        </p:txBody>
+      </p:sp>
+      <p:sp>
+        <p:nvSpPr>
+          <p:cNvPr id="3" name="Inhaltsplatzhalter 2"/>
+          <p:cNvSpPr>
+            <a:spLocks noGrp="1"/>
+          </p:cNvSpPr>
+          <p:nvPr>
+            <p:ph idx="1"/>
+          </p:nvPr>
+        </p:nvSpPr>
+        <p:spPr/>
+        <p:txBody>
+          <a:bodyPr/>
+          <a:lstStyle/>
+          <a:p>
+            <a:r>
+              <a:rPr lang="en-US" dirty="0" err="1"/>
+              <a:t>Aufgaben</a:t>
+            </a:r>
+            <a:endParaRPr lang="en-US" dirty="0"/>
+          </a:p>
+          <a:p>
+            <a:pPr lvl="1"/>
+            <a:r>
+              <a:rPr lang="en-US" dirty="0"/>
+              <a:t>File-</a:t>
+            </a:r>
+            <a:r>
+              <a:rPr lang="en-US" dirty="0" err="1"/>
+              <a:t>Shareing</a:t>
+            </a:r>
+            <a:r>
+              <a:rPr lang="en-US" dirty="0"/>
+              <a:t> </a:t>
+            </a:r>
+            <a:r>
+              <a:rPr lang="en-US" dirty="0" err="1"/>
+              <a:t>mit</a:t>
+            </a:r>
+            <a:r>
+              <a:rPr lang="en-US" dirty="0"/>
+              <a:t> Android, IOS</a:t>
+            </a:r>
+          </a:p>
+          <a:p>
+            <a:pPr lvl="1"/>
+            <a:r>
+              <a:rPr lang="en-US" dirty="0" err="1"/>
+              <a:t>Lokale</a:t>
+            </a:r>
+            <a:r>
+              <a:rPr lang="en-US" dirty="0"/>
+              <a:t> </a:t>
+            </a:r>
+            <a:r>
+              <a:rPr lang="en-US" dirty="0" err="1"/>
+              <a:t>Zwischenspeicherung</a:t>
+            </a:r>
+            <a:br>
+              <a:rPr lang="en-US" dirty="0"/>
+            </a:br>
+            <a:endParaRPr lang="en-US" dirty="0"/>
+          </a:p>
+          <a:p>
+            <a:r>
+              <a:rPr lang="en-US" dirty="0" err="1"/>
+              <a:t>Umsetzung</a:t>
+            </a:r>
+            <a:r>
+              <a:rPr lang="en-US" dirty="0"/>
+              <a:t>, </a:t>
+            </a:r>
+            <a:r>
+              <a:rPr lang="en-US" dirty="0" err="1"/>
+              <a:t>Vorgehen</a:t>
+            </a:r>
+            <a:endParaRPr lang="en-US" dirty="0"/>
+          </a:p>
+          <a:p>
+            <a:endParaRPr lang="en-US" dirty="0"/>
+          </a:p>
+          <a:p>
+            <a:r>
+              <a:rPr lang="en-US" dirty="0" err="1"/>
+              <a:t>Persönliches</a:t>
+            </a:r>
+            <a:r>
+              <a:rPr lang="en-US" dirty="0"/>
+              <a:t> </a:t>
+            </a:r>
+            <a:r>
+              <a:rPr lang="en-US" dirty="0" err="1"/>
+              <a:t>Fazit</a:t>
+            </a:r>
+            <a:r>
+              <a:rPr lang="en-US" dirty="0"/>
+              <a:t>, Learnings</a:t>
+            </a:r>
+          </a:p>
+          <a:p>
+            <a:endParaRPr lang="de-CH" dirty="0"/>
+          </a:p>
+        </p:txBody>
+      </p:sp>
+    </p:spTree>
+    <p:extLst>
+      <p:ext uri="{BB962C8B-B14F-4D97-AF65-F5344CB8AC3E}">
+        <p14:creationId xmlns:p14="http://schemas.microsoft.com/office/powerpoint/2010/main" val="3188404201"/>
+      </p:ext>
+    </p:extLst>
+  </p:cSld>
+  <p:clrMapOvr>
+    <a:masterClrMapping/>
+  </p:clrMapOvr>
+</p:sld>
+</file>
+
+<file path=ppt/slides/slide11.xml><?xml version="1.0" encoding="utf-8"?>
+<p:sld xmlns:a="http://schemas.openxmlformats.org/drawingml/2006/main" xmlns:r="http://schemas.openxmlformats.org/officeDocument/2006/relationships" xmlns:p="http://schemas.openxmlformats.org/presentationml/2006/main">
+  <p:cSld>
+    <p:spTree>
+      <p:nvGrpSpPr>
+        <p:cNvPr id="1" name=""/>
+        <p:cNvGrpSpPr/>
+        <p:nvPr/>
+      </p:nvGrpSpPr>
+      <p:grpSpPr>
+        <a:xfrm>
+          <a:off x="0" y="0"/>
+          <a:ext cx="0" cy="0"/>
+          <a:chOff x="0" y="0"/>
+          <a:chExt cx="0" cy="0"/>
+        </a:xfrm>
+      </p:grpSpPr>
+      <p:sp>
+        <p:nvSpPr>
+          <p:cNvPr id="2" name="Titel 1"/>
+          <p:cNvSpPr>
+            <a:spLocks noGrp="1"/>
+          </p:cNvSpPr>
+          <p:nvPr>
+            <p:ph type="title"/>
+          </p:nvPr>
+        </p:nvSpPr>
+        <p:spPr/>
+        <p:txBody>
+          <a:bodyPr/>
+          <a:lstStyle/>
+          <a:p>
+            <a:r>
+              <a:rPr lang="en-US" dirty="0"/>
+              <a:t>Peter Hartmann</a:t>
+            </a:r>
+            <a:endParaRPr lang="de-CH" dirty="0"/>
+          </a:p>
+        </p:txBody>
+      </p:sp>
+      <p:sp>
+        <p:nvSpPr>
+          <p:cNvPr id="3" name="Inhaltsplatzhalter 2"/>
+          <p:cNvSpPr>
+            <a:spLocks noGrp="1"/>
+          </p:cNvSpPr>
+          <p:nvPr>
+            <p:ph idx="1"/>
+          </p:nvPr>
+        </p:nvSpPr>
+        <p:spPr/>
+        <p:txBody>
+          <a:bodyPr/>
+          <a:lstStyle/>
+          <a:p>
+            <a:r>
+              <a:rPr lang="de-CH" dirty="0"/>
+              <a:t>Aufgaben</a:t>
+            </a:r>
+          </a:p>
+          <a:p>
+            <a:pPr lvl="1"/>
+            <a:r>
+              <a:rPr lang="de-CH" dirty="0"/>
+              <a:t>Design der App</a:t>
+            </a:r>
+          </a:p>
+          <a:p>
+            <a:pPr lvl="1"/>
+            <a:r>
+              <a:rPr lang="de-CH" dirty="0"/>
+              <a:t>Icons</a:t>
+            </a:r>
+          </a:p>
+          <a:p>
+            <a:pPr lvl="1"/>
+            <a:r>
+              <a:rPr lang="de-CH" dirty="0"/>
+              <a:t>MVVM</a:t>
+            </a:r>
+          </a:p>
+          <a:p>
+            <a:endParaRPr lang="de-CH" dirty="0"/>
+          </a:p>
+          <a:p>
+            <a:r>
+              <a:rPr lang="de-CH" dirty="0"/>
+              <a:t>Umsetzung, Vorgehen</a:t>
+            </a:r>
+            <a:br>
+              <a:rPr lang="de-CH" dirty="0"/>
+            </a:br>
+            <a:endParaRPr lang="de-CH" dirty="0"/>
+          </a:p>
+          <a:p>
+            <a:r>
+              <a:rPr lang="de-CH" dirty="0"/>
+              <a:t>Persönliches Fazit, </a:t>
+            </a:r>
+            <a:r>
+              <a:rPr lang="de-CH" dirty="0" err="1"/>
+              <a:t>Learnings</a:t>
+            </a:r>
+            <a:endParaRPr lang="de-CH" dirty="0"/>
+          </a:p>
+          <a:p>
+            <a:endParaRPr lang="de-CH" dirty="0"/>
+          </a:p>
+        </p:txBody>
+      </p:sp>
+    </p:spTree>
+    <p:extLst>
+      <p:ext uri="{BB962C8B-B14F-4D97-AF65-F5344CB8AC3E}">
+        <p14:creationId xmlns:p14="http://schemas.microsoft.com/office/powerpoint/2010/main" val="1789770859"/>
+      </p:ext>
+    </p:extLst>
+  </p:cSld>
+  <p:clrMapOvr>
+    <a:masterClrMapping/>
+  </p:clrMapOvr>
+</p:sld>
+</file>
+
+<file path=ppt/slides/slide12.xml><?xml version="1.0" encoding="utf-8"?>
+<p:sld xmlns:a="http://schemas.openxmlformats.org/drawingml/2006/main" xmlns:r="http://schemas.openxmlformats.org/officeDocument/2006/relationships" xmlns:p="http://schemas.openxmlformats.org/presentationml/2006/main">
+  <p:cSld>
+    <p:spTree>
+      <p:nvGrpSpPr>
+        <p:cNvPr id="1" name=""/>
+        <p:cNvGrpSpPr/>
+        <p:nvPr/>
+      </p:nvGrpSpPr>
+      <p:grpSpPr>
+        <a:xfrm>
+          <a:off x="0" y="0"/>
+          <a:ext cx="0" cy="0"/>
+          <a:chOff x="0" y="0"/>
+          <a:chExt cx="0" cy="0"/>
+        </a:xfrm>
+      </p:grpSpPr>
+      <p:sp>
+        <p:nvSpPr>
+          <p:cNvPr id="2" name="Titel 1"/>
+          <p:cNvSpPr>
+            <a:spLocks noGrp="1"/>
+          </p:cNvSpPr>
+          <p:nvPr>
+            <p:ph type="title"/>
+          </p:nvPr>
+        </p:nvSpPr>
+        <p:spPr/>
+        <p:txBody>
+          <a:bodyPr/>
+          <a:lstStyle/>
+          <a:p>
+            <a:r>
+              <a:rPr lang="en-US" dirty="0" err="1"/>
+              <a:t>Fazit</a:t>
+            </a:r>
+            <a:endParaRPr lang="de-CH" dirty="0"/>
+          </a:p>
+        </p:txBody>
+      </p:sp>
+      <p:sp>
+        <p:nvSpPr>
+          <p:cNvPr id="3" name="Inhaltsplatzhalter 2"/>
+          <p:cNvSpPr>
+            <a:spLocks noGrp="1"/>
+          </p:cNvSpPr>
+          <p:nvPr>
+            <p:ph idx="1"/>
+          </p:nvPr>
+        </p:nvSpPr>
+        <p:spPr/>
+        <p:txBody>
+          <a:bodyPr/>
+          <a:lstStyle/>
+          <a:p>
+            <a:endParaRPr lang="de-CH" dirty="0"/>
+          </a:p>
+        </p:txBody>
+      </p:sp>
+    </p:spTree>
+    <p:extLst>
+      <p:ext uri="{BB962C8B-B14F-4D97-AF65-F5344CB8AC3E}">
+        <p14:creationId xmlns:p14="http://schemas.microsoft.com/office/powerpoint/2010/main" val="1798443852"/>
+      </p:ext>
+    </p:extLst>
+  </p:cSld>
+  <p:clrMapOvr>
+    <a:masterClrMapping/>
+  </p:clrMapOvr>
+</p:sld>
+</file>
+
+<file path=ppt/slides/slide2.xml><?xml version="1.0" encoding="utf-8"?>
+<p:sld xmlns:a="http://schemas.openxmlformats.org/drawingml/2006/main" xmlns:r="http://schemas.openxmlformats.org/officeDocument/2006/relationships" xmlns:p="http://schemas.openxmlformats.org/presentationml/2006/main">
+  <p:cSld>
+    <p:spTree>
+      <p:nvGrpSpPr>
+        <p:cNvPr id="1" name=""/>
+        <p:cNvGrpSpPr/>
+        <p:nvPr/>
+      </p:nvGrpSpPr>
+      <p:grpSpPr>
+        <a:xfrm>
+          <a:off x="0" y="0"/>
+          <a:ext cx="0" cy="0"/>
+          <a:chOff x="0" y="0"/>
+          <a:chExt cx="0" cy="0"/>
+        </a:xfrm>
+      </p:grpSpPr>
+      <p:sp>
+        <p:nvSpPr>
+          <p:cNvPr id="2" name="Titel 1"/>
+          <p:cNvSpPr>
+            <a:spLocks noGrp="1"/>
+          </p:cNvSpPr>
+          <p:nvPr>
+            <p:ph type="title"/>
+          </p:nvPr>
+        </p:nvSpPr>
+        <p:spPr/>
+        <p:txBody>
+          <a:bodyPr/>
+          <a:lstStyle/>
+          <a:p>
+            <a:r>
+              <a:rPr lang="en-US" dirty="0"/>
+              <a:t>Was </a:t>
+            </a:r>
+            <a:r>
+              <a:rPr lang="en-US" dirty="0" err="1"/>
+              <a:t>präsentieren</a:t>
+            </a:r>
+            <a:r>
+              <a:rPr lang="en-US" dirty="0"/>
+              <a:t> </a:t>
+            </a:r>
+            <a:r>
+              <a:rPr lang="en-US" dirty="0" err="1"/>
+              <a:t>wir</a:t>
+            </a:r>
+            <a:r>
+              <a:rPr lang="en-US" dirty="0"/>
+              <a:t>….</a:t>
+            </a:r>
+            <a:endParaRPr lang="de-CH" dirty="0"/>
+          </a:p>
+        </p:txBody>
+      </p:sp>
+      <p:sp>
+        <p:nvSpPr>
+          <p:cNvPr id="3" name="Inhaltsplatzhalter 2"/>
+          <p:cNvSpPr>
+            <a:spLocks noGrp="1"/>
+          </p:cNvSpPr>
+          <p:nvPr>
+            <p:ph idx="1"/>
+          </p:nvPr>
+        </p:nvSpPr>
+        <p:spPr/>
+        <p:txBody>
+          <a:bodyPr/>
+          <a:lstStyle/>
+          <a:p>
+            <a:r>
+              <a:rPr lang="en-US" dirty="0"/>
+              <a:t>Was </a:t>
+            </a:r>
+            <a:r>
+              <a:rPr lang="en-US" dirty="0" err="1"/>
+              <a:t>wollten</a:t>
+            </a:r>
+            <a:r>
+              <a:rPr lang="en-US" dirty="0"/>
+              <a:t> </a:t>
+            </a:r>
+            <a:r>
+              <a:rPr lang="en-US" dirty="0" err="1"/>
+              <a:t>wir</a:t>
+            </a:r>
+            <a:endParaRPr lang="en-US" dirty="0"/>
+          </a:p>
+          <a:p>
+            <a:r>
+              <a:rPr lang="en-US" dirty="0"/>
+              <a:t>Was </a:t>
+            </a:r>
+            <a:r>
+              <a:rPr lang="en-US" dirty="0" err="1"/>
+              <a:t>planten</a:t>
+            </a:r>
+            <a:r>
+              <a:rPr lang="en-US" dirty="0"/>
+              <a:t> </a:t>
+            </a:r>
+            <a:r>
+              <a:rPr lang="en-US" dirty="0" err="1"/>
+              <a:t>wir</a:t>
+            </a:r>
+            <a:endParaRPr lang="en-US" dirty="0"/>
+          </a:p>
+          <a:p>
+            <a:r>
+              <a:rPr lang="en-US" dirty="0"/>
+              <a:t>Was </a:t>
+            </a:r>
+            <a:r>
+              <a:rPr lang="en-US" dirty="0" err="1"/>
+              <a:t>kam</a:t>
+            </a:r>
+            <a:r>
+              <a:rPr lang="en-US" dirty="0"/>
+              <a:t> </a:t>
+            </a:r>
+            <a:r>
+              <a:rPr lang="en-US" dirty="0" err="1"/>
+              <a:t>heraus</a:t>
+            </a:r>
+            <a:endParaRPr lang="en-US" dirty="0"/>
+          </a:p>
+          <a:p>
+            <a:r>
+              <a:rPr lang="en-US" dirty="0"/>
+              <a:t>Was </a:t>
+            </a:r>
+            <a:r>
+              <a:rPr lang="en-US" dirty="0" err="1"/>
+              <a:t>haben</a:t>
+            </a:r>
+            <a:r>
+              <a:rPr lang="en-US" dirty="0"/>
+              <a:t> </a:t>
+            </a:r>
+            <a:r>
+              <a:rPr lang="en-US" dirty="0" err="1"/>
+              <a:t>wir</a:t>
+            </a:r>
+            <a:r>
+              <a:rPr lang="en-US" dirty="0"/>
+              <a:t> </a:t>
+            </a:r>
+            <a:r>
+              <a:rPr lang="en-US" dirty="0" err="1"/>
+              <a:t>dafür</a:t>
+            </a:r>
+            <a:r>
+              <a:rPr lang="en-US" dirty="0"/>
+              <a:t> </a:t>
+            </a:r>
+            <a:r>
+              <a:rPr lang="en-US" dirty="0" err="1"/>
+              <a:t>getan</a:t>
+            </a:r>
+            <a:endParaRPr lang="en-US" dirty="0"/>
+          </a:p>
+          <a:p>
+            <a:r>
+              <a:rPr lang="en-US" dirty="0"/>
+              <a:t>Was </a:t>
+            </a:r>
+            <a:r>
+              <a:rPr lang="en-US" dirty="0" err="1"/>
+              <a:t>haben</a:t>
+            </a:r>
+            <a:r>
+              <a:rPr lang="en-US" dirty="0"/>
+              <a:t> </a:t>
+            </a:r>
+            <a:r>
+              <a:rPr lang="en-US" dirty="0" err="1"/>
+              <a:t>wir</a:t>
+            </a:r>
+            <a:r>
+              <a:rPr lang="en-US" dirty="0"/>
+              <a:t> </a:t>
+            </a:r>
+            <a:r>
+              <a:rPr lang="en-US" dirty="0" err="1"/>
+              <a:t>dabei</a:t>
+            </a:r>
+            <a:r>
+              <a:rPr lang="en-US" dirty="0"/>
+              <a:t> </a:t>
+            </a:r>
+            <a:r>
+              <a:rPr lang="en-US" dirty="0" err="1"/>
+              <a:t>gelernt</a:t>
+            </a:r>
+            <a:endParaRPr lang="de-CH" dirty="0"/>
+          </a:p>
+        </p:txBody>
+      </p:sp>
+    </p:spTree>
+    <p:extLst>
+      <p:ext uri="{BB962C8B-B14F-4D97-AF65-F5344CB8AC3E}">
+        <p14:creationId xmlns:p14="http://schemas.microsoft.com/office/powerpoint/2010/main" val="354078330"/>
+      </p:ext>
+    </p:extLst>
+  </p:cSld>
+  <p:clrMapOvr>
+    <a:masterClrMapping/>
+  </p:clrMapOvr>
+</p:sld>
+</file>
+
+<file path=ppt/slides/slide3.xml><?xml version="1.0" encoding="utf-8"?>
+<p:sld xmlns:a="http://schemas.openxmlformats.org/drawingml/2006/main" xmlns:r="http://schemas.openxmlformats.org/officeDocument/2006/relationships" xmlns:p="http://schemas.openxmlformats.org/presentationml/2006/main">
+  <p:cSld>
+    <p:spTree>
+      <p:nvGrpSpPr>
+        <p:cNvPr id="1" name=""/>
+        <p:cNvGrpSpPr/>
+        <p:nvPr/>
+      </p:nvGrpSpPr>
+      <p:grpSpPr>
+        <a:xfrm>
+          <a:off x="0" y="0"/>
+          <a:ext cx="0" cy="0"/>
+          <a:chOff x="0" y="0"/>
+          <a:chExt cx="0" cy="0"/>
+        </a:xfrm>
+      </p:grpSpPr>
+      <p:sp>
+        <p:nvSpPr>
+          <p:cNvPr id="2" name="Titel 1"/>
+          <p:cNvSpPr>
+            <a:spLocks noGrp="1"/>
+          </p:cNvSpPr>
+          <p:nvPr>
+            <p:ph type="title"/>
+          </p:nvPr>
+        </p:nvSpPr>
+        <p:spPr/>
+        <p:txBody>
+          <a:bodyPr/>
+          <a:lstStyle/>
+          <a:p>
+            <a:r>
+              <a:rPr lang="en-US" dirty="0" err="1"/>
+              <a:t>Ziele</a:t>
+            </a:r>
+            <a:r>
+              <a:rPr lang="en-US" dirty="0"/>
+              <a:t> der </a:t>
+            </a:r>
+            <a:r>
+              <a:rPr lang="en-US" dirty="0" err="1"/>
+              <a:t>Arbeit</a:t>
+            </a:r>
+            <a:endParaRPr lang="de-CH" dirty="0"/>
+          </a:p>
+        </p:txBody>
+      </p:sp>
+      <p:sp>
+        <p:nvSpPr>
+          <p:cNvPr id="3" name="Inhaltsplatzhalter 2"/>
+          <p:cNvSpPr>
+            <a:spLocks noGrp="1"/>
+          </p:cNvSpPr>
+          <p:nvPr>
+            <p:ph idx="1"/>
+          </p:nvPr>
+        </p:nvSpPr>
+        <p:spPr>
+          <a:xfrm>
+            <a:off x="677334" y="2307265"/>
+            <a:ext cx="8596668" cy="3734097"/>
+          </a:xfrm>
+        </p:spPr>
+        <p:txBody>
+          <a:bodyPr/>
+          <a:lstStyle/>
+          <a:p>
+            <a:r>
+              <a:rPr lang="en-US" dirty="0" err="1"/>
+              <a:t>Erstellen</a:t>
+            </a:r>
+            <a:r>
+              <a:rPr lang="en-US" dirty="0"/>
+              <a:t> </a:t>
+            </a:r>
+            <a:r>
+              <a:rPr lang="en-US" dirty="0" err="1"/>
+              <a:t>einer</a:t>
+            </a:r>
+            <a:r>
+              <a:rPr lang="en-US" dirty="0"/>
+              <a:t> </a:t>
+            </a:r>
+            <a:r>
+              <a:rPr lang="en-US" dirty="0" err="1"/>
+              <a:t>Plattform</a:t>
+            </a:r>
+            <a:r>
+              <a:rPr lang="en-US" dirty="0"/>
+              <a:t> </a:t>
+            </a:r>
+            <a:r>
+              <a:rPr lang="en-US" dirty="0" err="1"/>
+              <a:t>unabhängigen</a:t>
+            </a:r>
+            <a:r>
+              <a:rPr lang="en-US" dirty="0"/>
+              <a:t> Mobile Device App -&gt; </a:t>
+            </a:r>
+            <a:r>
+              <a:rPr lang="en-US" dirty="0" err="1"/>
+              <a:t>Xamarin</a:t>
+            </a:r>
+            <a:endParaRPr lang="en-US" dirty="0"/>
+          </a:p>
+          <a:p>
+            <a:r>
+              <a:rPr lang="en-US" dirty="0" err="1"/>
+              <a:t>Umsetzen</a:t>
+            </a:r>
+            <a:r>
+              <a:rPr lang="en-US" dirty="0"/>
+              <a:t> des </a:t>
+            </a:r>
+            <a:r>
+              <a:rPr lang="en-US" dirty="0" err="1"/>
+              <a:t>Haupt-UseCase</a:t>
+            </a:r>
+            <a:br>
+              <a:rPr lang="en-US" dirty="0"/>
+            </a:br>
+            <a:br>
+              <a:rPr lang="en-US" dirty="0"/>
+            </a:br>
+            <a:r>
+              <a:rPr lang="de-CH" dirty="0"/>
+              <a:t>Datei übertragen: </a:t>
+            </a:r>
+            <a:br>
+              <a:rPr lang="de-CH" dirty="0"/>
+            </a:br>
+            <a:r>
+              <a:rPr lang="de-CH" dirty="0"/>
+              <a:t>Der Sender wählt eine Datei auf seinem Gerät aus die er kopieren möchte. Aus der erhaltenen URL wird dann ein QR Code generiert. Der Empfänger scannt diesen QR Code direkt vom Gerät des Senders und kann so die Datei auf seinem Gerät empfangen.</a:t>
+            </a:r>
+            <a:endParaRPr lang="en-US" dirty="0"/>
+          </a:p>
+          <a:p>
+            <a:r>
+              <a:rPr lang="en-US" dirty="0" err="1"/>
+              <a:t>Optionale</a:t>
+            </a:r>
+            <a:r>
+              <a:rPr lang="en-US" dirty="0"/>
+              <a:t> </a:t>
+            </a:r>
+            <a:r>
+              <a:rPr lang="en-US" dirty="0" err="1"/>
+              <a:t>UseCases</a:t>
+            </a:r>
+            <a:br>
+              <a:rPr lang="en-US" dirty="0"/>
+            </a:br>
+            <a:r>
+              <a:rPr lang="en-US" dirty="0"/>
+              <a:t>Store-Submission, </a:t>
+            </a:r>
+            <a:r>
+              <a:rPr lang="en-US" dirty="0" err="1"/>
+              <a:t>Wiederholen</a:t>
+            </a:r>
+            <a:r>
+              <a:rPr lang="en-US" dirty="0"/>
+              <a:t> </a:t>
+            </a:r>
+            <a:r>
+              <a:rPr lang="en-US" dirty="0" err="1"/>
+              <a:t>eines</a:t>
+            </a:r>
+            <a:r>
+              <a:rPr lang="en-US" dirty="0"/>
+              <a:t> </a:t>
+            </a:r>
+            <a:r>
+              <a:rPr lang="en-US" dirty="0" err="1"/>
+              <a:t>vorherign</a:t>
+            </a:r>
+            <a:r>
+              <a:rPr lang="en-US" dirty="0"/>
+              <a:t> </a:t>
+            </a:r>
+            <a:r>
+              <a:rPr lang="en-US" dirty="0" err="1"/>
+              <a:t>Kopiervogrgangs</a:t>
+            </a:r>
+            <a:r>
+              <a:rPr lang="en-US" dirty="0"/>
+              <a:t>, </a:t>
+            </a:r>
+            <a:r>
+              <a:rPr lang="en-US" dirty="0" err="1"/>
+              <a:t>Ende-zu-Ende</a:t>
+            </a:r>
+            <a:r>
+              <a:rPr lang="en-US" dirty="0"/>
+              <a:t> </a:t>
+            </a:r>
+            <a:r>
+              <a:rPr lang="en-US" dirty="0" err="1"/>
+              <a:t>Verschlüsselung</a:t>
+            </a:r>
+            <a:r>
+              <a:rPr lang="en-US" dirty="0"/>
+              <a:t>, </a:t>
+            </a:r>
+            <a:r>
+              <a:rPr lang="en-US" dirty="0" err="1"/>
+              <a:t>Empfang</a:t>
+            </a:r>
+            <a:r>
+              <a:rPr lang="en-US" dirty="0"/>
+              <a:t> der </a:t>
+            </a:r>
+            <a:r>
+              <a:rPr lang="en-US" dirty="0" err="1"/>
+              <a:t>Datei</a:t>
+            </a:r>
+            <a:r>
+              <a:rPr lang="en-US" dirty="0"/>
+              <a:t> </a:t>
+            </a:r>
+            <a:r>
+              <a:rPr lang="en-US" dirty="0" err="1"/>
+              <a:t>mit</a:t>
+            </a:r>
+            <a:r>
+              <a:rPr lang="en-US" dirty="0"/>
+              <a:t> Instant App</a:t>
+            </a:r>
+          </a:p>
+          <a:p>
+            <a:endParaRPr lang="de-CH" dirty="0"/>
+          </a:p>
+        </p:txBody>
+      </p:sp>
+    </p:spTree>
+    <p:extLst>
+      <p:ext uri="{BB962C8B-B14F-4D97-AF65-F5344CB8AC3E}">
+        <p14:creationId xmlns:p14="http://schemas.microsoft.com/office/powerpoint/2010/main" val="3724287274"/>
+      </p:ext>
+    </p:extLst>
+  </p:cSld>
+  <p:clrMapOvr>
+    <a:masterClrMapping/>
+  </p:clrMapOvr>
+</p:sld>
+</file>
+
+<file path=ppt/slides/slide4.xml><?xml version="1.0" encoding="utf-8"?>
+<p:sld xmlns:a="http://schemas.openxmlformats.org/drawingml/2006/main" xmlns:r="http://schemas.openxmlformats.org/officeDocument/2006/relationships" xmlns:p="http://schemas.openxmlformats.org/presentationml/2006/main">
+  <p:cSld>
+    <p:spTree>
+      <p:nvGrpSpPr>
+        <p:cNvPr id="1" name=""/>
+        <p:cNvGrpSpPr/>
+        <p:nvPr/>
+      </p:nvGrpSpPr>
+      <p:grpSpPr>
+        <a:xfrm>
+          <a:off x="0" y="0"/>
+          <a:ext cx="0" cy="0"/>
+          <a:chOff x="0" y="0"/>
+          <a:chExt cx="0" cy="0"/>
+        </a:xfrm>
+      </p:grpSpPr>
+      <p:sp>
+        <p:nvSpPr>
+          <p:cNvPr id="2" name="Titel 1"/>
+          <p:cNvSpPr>
+            <a:spLocks noGrp="1"/>
+          </p:cNvSpPr>
+          <p:nvPr>
+            <p:ph type="title"/>
+          </p:nvPr>
+        </p:nvSpPr>
+        <p:spPr/>
+        <p:txBody>
+          <a:bodyPr/>
+          <a:lstStyle/>
+          <a:p>
+            <a:r>
+              <a:rPr lang="en-US" dirty="0" err="1"/>
+              <a:t>Verwendete</a:t>
+            </a:r>
+            <a:r>
+              <a:rPr lang="en-US" dirty="0"/>
+              <a:t> </a:t>
+            </a:r>
+            <a:r>
+              <a:rPr lang="en-US" dirty="0" err="1"/>
+              <a:t>Technologie</a:t>
+            </a:r>
+            <a:endParaRPr lang="de-CH" dirty="0"/>
+          </a:p>
+        </p:txBody>
+      </p:sp>
+      <p:sp>
+        <p:nvSpPr>
+          <p:cNvPr id="3" name="Inhaltsplatzhalter 2"/>
+          <p:cNvSpPr>
+            <a:spLocks noGrp="1"/>
+          </p:cNvSpPr>
+          <p:nvPr>
+            <p:ph idx="1"/>
+          </p:nvPr>
+        </p:nvSpPr>
+        <p:spPr/>
+        <p:txBody>
+          <a:bodyPr/>
+          <a:lstStyle/>
+          <a:p>
+            <a:r>
+              <a:rPr lang="en-US" dirty="0" err="1"/>
+              <a:t>Xamarin.Forms</a:t>
+            </a:r>
+            <a:endParaRPr lang="en-US" dirty="0"/>
+          </a:p>
+          <a:p>
+            <a:r>
+              <a:rPr lang="en-US" dirty="0"/>
+              <a:t>MVVM</a:t>
+            </a:r>
+          </a:p>
+          <a:p>
+            <a:r>
+              <a:rPr lang="en-US" dirty="0"/>
+              <a:t>File.IO  (File-Sharing-</a:t>
+            </a:r>
+            <a:r>
+              <a:rPr lang="en-US" dirty="0" err="1"/>
+              <a:t>Dienst</a:t>
+            </a:r>
+            <a:r>
+              <a:rPr lang="en-US" dirty="0"/>
+              <a:t> in der Cloud)</a:t>
+            </a:r>
+          </a:p>
+          <a:p>
+            <a:r>
+              <a:rPr lang="en-US" dirty="0" err="1"/>
+              <a:t>Entwicklungsumgebung</a:t>
+            </a:r>
+            <a:r>
+              <a:rPr lang="en-US" dirty="0"/>
+              <a:t> Visual Studio auf Windows und Mac</a:t>
+            </a:r>
+            <a:endParaRPr lang="de-CH" dirty="0"/>
+          </a:p>
+        </p:txBody>
+      </p:sp>
+    </p:spTree>
+    <p:extLst>
+      <p:ext uri="{BB962C8B-B14F-4D97-AF65-F5344CB8AC3E}">
+        <p14:creationId xmlns:p14="http://schemas.microsoft.com/office/powerpoint/2010/main" val="1561198931"/>
+      </p:ext>
+    </p:extLst>
+  </p:cSld>
+  <p:clrMapOvr>
+    <a:masterClrMapping/>
+  </p:clrMapOvr>
+</p:sld>
+</file>
+
+<file path=ppt/slides/slide5.xml><?xml version="1.0" encoding="utf-8"?>
+<p:sld xmlns:a="http://schemas.openxmlformats.org/drawingml/2006/main" xmlns:r="http://schemas.openxmlformats.org/officeDocument/2006/relationships" xmlns:p="http://schemas.openxmlformats.org/presentationml/2006/main">
+  <p:cSld>
+    <p:spTree>
+      <p:nvGrpSpPr>
+        <p:cNvPr id="1" name=""/>
+        <p:cNvGrpSpPr/>
+        <p:nvPr/>
+      </p:nvGrpSpPr>
+      <p:grpSpPr>
+        <a:xfrm>
+          <a:off x="0" y="0"/>
+          <a:ext cx="0" cy="0"/>
+          <a:chOff x="0" y="0"/>
+          <a:chExt cx="0" cy="0"/>
+        </a:xfrm>
+      </p:grpSpPr>
+      <p:sp>
+        <p:nvSpPr>
+          <p:cNvPr id="2" name="Titel 1"/>
+          <p:cNvSpPr>
+            <a:spLocks noGrp="1"/>
+          </p:cNvSpPr>
+          <p:nvPr>
+            <p:ph type="title"/>
+          </p:nvPr>
+        </p:nvSpPr>
+        <p:spPr/>
+        <p:txBody>
+          <a:bodyPr/>
+          <a:lstStyle/>
+          <a:p>
+            <a:r>
+              <a:rPr lang="en-US" dirty="0" err="1"/>
+              <a:t>Ablauf</a:t>
+            </a:r>
+            <a:endParaRPr lang="de-CH" dirty="0"/>
+          </a:p>
+        </p:txBody>
+      </p:sp>
+      <p:pic>
+        <p:nvPicPr>
+          <p:cNvPr id="4" name="Inhaltsplatzhalter 3"/>
+          <p:cNvPicPr>
+            <a:picLocks noGrp="1" noChangeAspect="1"/>
+          </p:cNvPicPr>
+          <p:nvPr>
+            <p:ph idx="1"/>
+          </p:nvPr>
+        </p:nvPicPr>
+        <p:blipFill>
+          <a:blip r:embed="rId2">
+            <a:extLst>
+              <a:ext uri="{28A0092B-C50C-407E-A947-70E740481C1C}">
+                <a14:useLocalDpi xmlns:a14="http://schemas.microsoft.com/office/drawing/2010/main" val="0"/>
+              </a:ext>
+            </a:extLst>
+          </a:blip>
+          <a:stretch>
+            <a:fillRect/>
+          </a:stretch>
+        </p:blipFill>
+        <p:spPr>
+          <a:xfrm>
+            <a:off x="1508455" y="1323975"/>
+            <a:ext cx="7858829" cy="5346456"/>
+          </a:xfrm>
+        </p:spPr>
+      </p:pic>
+    </p:spTree>
+    <p:extLst>
+      <p:ext uri="{BB962C8B-B14F-4D97-AF65-F5344CB8AC3E}">
+        <p14:creationId xmlns:p14="http://schemas.microsoft.com/office/powerpoint/2010/main" val="1359331430"/>
+      </p:ext>
+    </p:extLst>
+  </p:cSld>
+  <p:clrMapOvr>
+    <a:masterClrMapping/>
+  </p:clrMapOvr>
+</p:sld>
+</file>
+
+<file path=ppt/slides/slide6.xml><?xml version="1.0" encoding="utf-8"?>
+<p:sld xmlns:a="http://schemas.openxmlformats.org/drawingml/2006/main" xmlns:r="http://schemas.openxmlformats.org/officeDocument/2006/relationships" xmlns:p="http://schemas.openxmlformats.org/presentationml/2006/main">
+  <p:cSld>
+    <p:spTree>
+      <p:nvGrpSpPr>
+        <p:cNvPr id="1" name=""/>
+        <p:cNvGrpSpPr/>
+        <p:nvPr/>
+      </p:nvGrpSpPr>
+      <p:grpSpPr>
+        <a:xfrm>
+          <a:off x="0" y="0"/>
+          <a:ext cx="0" cy="0"/>
+          <a:chOff x="0" y="0"/>
+          <a:chExt cx="0" cy="0"/>
+        </a:xfrm>
+      </p:grpSpPr>
+      <p:sp>
+        <p:nvSpPr>
+          <p:cNvPr id="2" name="Titel 1"/>
+          <p:cNvSpPr>
+            <a:spLocks noGrp="1"/>
+          </p:cNvSpPr>
+          <p:nvPr>
+            <p:ph type="title"/>
+          </p:nvPr>
+        </p:nvSpPr>
+        <p:spPr/>
+        <p:txBody>
+          <a:bodyPr/>
+          <a:lstStyle/>
+          <a:p>
+            <a:r>
+              <a:rPr lang="en-US" dirty="0"/>
+              <a:t>UI</a:t>
+            </a:r>
+            <a:endParaRPr lang="de-CH" dirty="0"/>
+          </a:p>
+        </p:txBody>
+      </p:sp>
+      <p:pic>
+        <p:nvPicPr>
+          <p:cNvPr id="4" name="Inhaltsplatzhalter 3"/>
+          <p:cNvPicPr>
+            <a:picLocks noGrp="1" noChangeAspect="1"/>
+          </p:cNvPicPr>
+          <p:nvPr>
+            <p:ph idx="1"/>
+          </p:nvPr>
+        </p:nvPicPr>
+        <p:blipFill>
+          <a:blip r:embed="rId2"/>
+          <a:stretch>
+            <a:fillRect/>
+          </a:stretch>
+        </p:blipFill>
+        <p:spPr>
+          <a:xfrm>
+            <a:off x="723747" y="1312863"/>
+            <a:ext cx="8504543" cy="4729162"/>
+          </a:xfrm>
+          <a:prstGeom prst="rect">
+            <a:avLst/>
+          </a:prstGeom>
+        </p:spPr>
+      </p:pic>
+    </p:spTree>
+    <p:extLst>
+      <p:ext uri="{BB962C8B-B14F-4D97-AF65-F5344CB8AC3E}">
+        <p14:creationId xmlns:p14="http://schemas.microsoft.com/office/powerpoint/2010/main" val="3585065227"/>
+      </p:ext>
+    </p:extLst>
+  </p:cSld>
+  <p:clrMapOvr>
+    <a:masterClrMapping/>
+  </p:clrMapOvr>
+</p:sld>
+</file>
+
+<file path=ppt/slides/slide7.xml><?xml version="1.0" encoding="utf-8"?>
+<p:sld xmlns:a="http://schemas.openxmlformats.org/drawingml/2006/main" xmlns:r="http://schemas.openxmlformats.org/officeDocument/2006/relationships" xmlns:p="http://schemas.openxmlformats.org/presentationml/2006/main">
+  <p:cSld>
+    <p:spTree>
+      <p:nvGrpSpPr>
+        <p:cNvPr id="1" name=""/>
+        <p:cNvGrpSpPr/>
+        <p:nvPr/>
+      </p:nvGrpSpPr>
+      <p:grpSpPr>
+        <a:xfrm>
+          <a:off x="0" y="0"/>
+          <a:ext cx="0" cy="0"/>
+          <a:chOff x="0" y="0"/>
+          <a:chExt cx="0" cy="0"/>
+        </a:xfrm>
+      </p:grpSpPr>
+      <p:sp>
+        <p:nvSpPr>
+          <p:cNvPr id="2" name="Titel 1"/>
+          <p:cNvSpPr>
+            <a:spLocks noGrp="1"/>
+          </p:cNvSpPr>
+          <p:nvPr>
+            <p:ph type="title"/>
+          </p:nvPr>
+        </p:nvSpPr>
+        <p:spPr/>
+        <p:txBody>
+          <a:bodyPr/>
+          <a:lstStyle/>
+          <a:p>
+            <a:r>
+              <a:rPr lang="en-US" dirty="0"/>
+              <a:t>Klassen und Interfaces</a:t>
+            </a:r>
+            <a:endParaRPr lang="de-CH" dirty="0"/>
+          </a:p>
+        </p:txBody>
+      </p:sp>
+      <p:pic>
+        <p:nvPicPr>
+          <p:cNvPr id="4" name="Inhaltsplatzhalter 3"/>
+          <p:cNvPicPr>
+            <a:picLocks noGrp="1" noChangeAspect="1"/>
+          </p:cNvPicPr>
+          <p:nvPr>
+            <p:ph idx="1"/>
+          </p:nvPr>
+        </p:nvPicPr>
+        <p:blipFill>
+          <a:blip r:embed="rId2"/>
+          <a:stretch>
+            <a:fillRect/>
+          </a:stretch>
+        </p:blipFill>
+        <p:spPr>
+          <a:xfrm>
+            <a:off x="649437" y="1749056"/>
+            <a:ext cx="7896217" cy="4292969"/>
+          </a:xfrm>
+          <a:prstGeom prst="rect">
+            <a:avLst/>
+          </a:prstGeom>
+        </p:spPr>
+      </p:pic>
+    </p:spTree>
+    <p:extLst>
+      <p:ext uri="{BB962C8B-B14F-4D97-AF65-F5344CB8AC3E}">
+        <p14:creationId xmlns:p14="http://schemas.microsoft.com/office/powerpoint/2010/main" val="1621051744"/>
+      </p:ext>
+    </p:extLst>
+  </p:cSld>
+  <p:clrMapOvr>
+    <a:masterClrMapping/>
+  </p:clrMapOvr>
+</p:sld>
+</file>
+
+<file path=ppt/slides/slide8.xml><?xml version="1.0" encoding="utf-8"?>
+<p:sld xmlns:a="http://schemas.openxmlformats.org/drawingml/2006/main" xmlns:r="http://schemas.openxmlformats.org/officeDocument/2006/relationships" xmlns:p="http://schemas.openxmlformats.org/presentationml/2006/main">
+  <p:cSld>
+    <p:spTree>
+      <p:nvGrpSpPr>
+        <p:cNvPr id="1" name=""/>
+        <p:cNvGrpSpPr/>
+        <p:nvPr/>
+      </p:nvGrpSpPr>
+      <p:grpSpPr>
+        <a:xfrm>
+          <a:off x="0" y="0"/>
+          <a:ext cx="0" cy="0"/>
+          <a:chOff x="0" y="0"/>
+          <a:chExt cx="0" cy="0"/>
+        </a:xfrm>
+      </p:grpSpPr>
+      <p:sp>
+        <p:nvSpPr>
+          <p:cNvPr id="2" name="Titel 1"/>
+          <p:cNvSpPr>
+            <a:spLocks noGrp="1"/>
+          </p:cNvSpPr>
+          <p:nvPr>
+            <p:ph type="title"/>
+          </p:nvPr>
+        </p:nvSpPr>
+        <p:spPr/>
+        <p:txBody>
+          <a:bodyPr/>
+          <a:lstStyle/>
+          <a:p>
+            <a:r>
+              <a:rPr lang="en-US" dirty="0" err="1"/>
+              <a:t>Aktueller</a:t>
+            </a:r>
+            <a:r>
+              <a:rPr lang="en-US" dirty="0"/>
+              <a:t> Stand</a:t>
+            </a:r>
+            <a:endParaRPr lang="de-CH" dirty="0"/>
+          </a:p>
+        </p:txBody>
+      </p:sp>
+      <p:sp>
+        <p:nvSpPr>
+          <p:cNvPr id="3" name="Inhaltsplatzhalter 2"/>
+          <p:cNvSpPr>
+            <a:spLocks noGrp="1"/>
+          </p:cNvSpPr>
+          <p:nvPr>
+            <p:ph idx="1"/>
+          </p:nvPr>
+        </p:nvSpPr>
+        <p:spPr/>
+        <p:txBody>
+          <a:bodyPr/>
+          <a:lstStyle/>
+          <a:p>
+            <a:pPr marL="0" indent="0">
+              <a:buNone/>
+            </a:pPr>
+            <a:r>
+              <a:rPr lang="en-US" dirty="0"/>
+              <a:t>Live Demo</a:t>
+            </a:r>
+            <a:endParaRPr lang="de-CH" dirty="0"/>
+          </a:p>
+        </p:txBody>
+      </p:sp>
+    </p:spTree>
+    <p:extLst>
+      <p:ext uri="{BB962C8B-B14F-4D97-AF65-F5344CB8AC3E}">
+        <p14:creationId xmlns:p14="http://schemas.microsoft.com/office/powerpoint/2010/main" val="3738103134"/>
+      </p:ext>
+    </p:extLst>
+  </p:cSld>
+  <p:clrMapOvr>
+    <a:masterClrMapping/>
+  </p:clrMapOvr>
+</p:sld>
+</file>
+
+<file path=ppt/slides/slide9.xml><?xml version="1.0" encoding="utf-8"?>
+<p:sld xmlns:a="http://schemas.openxmlformats.org/drawingml/2006/main" xmlns:r="http://schemas.openxmlformats.org/officeDocument/2006/relationships" xmlns:p="http://schemas.openxmlformats.org/presentationml/2006/main">
+  <p:cSld>
+    <p:spTree>
+      <p:nvGrpSpPr>
+        <p:cNvPr id="1" name=""/>
+        <p:cNvGrpSpPr/>
+        <p:nvPr/>
+      </p:nvGrpSpPr>
+      <p:grpSpPr>
+        <a:xfrm>
+          <a:off x="0" y="0"/>
+          <a:ext cx="0" cy="0"/>
+          <a:chOff x="0" y="0"/>
+          <a:chExt cx="0" cy="0"/>
+        </a:xfrm>
+      </p:grpSpPr>
+      <p:sp>
+        <p:nvSpPr>
+          <p:cNvPr id="2" name="Titel 1"/>
+          <p:cNvSpPr>
+            <a:spLocks noGrp="1"/>
+          </p:cNvSpPr>
+          <p:nvPr>
+            <p:ph type="title"/>
+          </p:nvPr>
+        </p:nvSpPr>
+        <p:spPr/>
+        <p:txBody>
+          <a:bodyPr/>
+          <a:lstStyle/>
+          <a:p>
+            <a:r>
+              <a:rPr lang="en-US" dirty="0"/>
+              <a:t>Reto </a:t>
+            </a:r>
+            <a:r>
+              <a:rPr lang="en-US" dirty="0" err="1"/>
+              <a:t>Infanger</a:t>
+            </a:r>
+            <a:endParaRPr lang="de-CH" dirty="0"/>
+          </a:p>
+        </p:txBody>
+      </p:sp>
+      <p:sp>
+        <p:nvSpPr>
+          <p:cNvPr id="3" name="Inhaltsplatzhalter 2"/>
+          <p:cNvSpPr>
+            <a:spLocks noGrp="1"/>
+          </p:cNvSpPr>
+          <p:nvPr>
+            <p:ph idx="1"/>
+          </p:nvPr>
+        </p:nvSpPr>
+        <p:spPr/>
+        <p:txBody>
+          <a:bodyPr/>
+          <a:lstStyle/>
+          <a:p>
+            <a:r>
+              <a:rPr lang="en-US" dirty="0" err="1"/>
+              <a:t>Aufgaben</a:t>
+            </a:r>
+            <a:endParaRPr lang="en-US" dirty="0"/>
+          </a:p>
+          <a:p>
+            <a:pPr lvl="1"/>
+            <a:r>
+              <a:rPr lang="en-US" dirty="0"/>
+              <a:t>Design der App</a:t>
+            </a:r>
+          </a:p>
+          <a:p>
+            <a:pPr lvl="1"/>
+            <a:r>
+              <a:rPr lang="en-US" dirty="0"/>
+              <a:t>Icons</a:t>
+            </a:r>
+          </a:p>
+          <a:p>
+            <a:pPr lvl="1"/>
+            <a:r>
+              <a:rPr lang="en-US" dirty="0"/>
+              <a:t>MVVM</a:t>
+            </a:r>
+          </a:p>
+          <a:p>
+            <a:endParaRPr lang="en-US" dirty="0"/>
+          </a:p>
+          <a:p>
+            <a:r>
+              <a:rPr lang="en-US" dirty="0" err="1"/>
+              <a:t>Umsetzung</a:t>
+            </a:r>
+            <a:r>
+              <a:rPr lang="en-US" dirty="0"/>
+              <a:t>, </a:t>
+            </a:r>
+            <a:r>
+              <a:rPr lang="en-US" dirty="0" err="1"/>
+              <a:t>Vorgehen</a:t>
+            </a:r>
+            <a:br>
+              <a:rPr lang="en-US" dirty="0"/>
+            </a:br>
+            <a:endParaRPr lang="en-US" dirty="0"/>
+          </a:p>
+          <a:p>
+            <a:r>
+              <a:rPr lang="en-US" dirty="0" err="1"/>
+              <a:t>Persönliches</a:t>
+            </a:r>
+            <a:r>
+              <a:rPr lang="en-US" dirty="0"/>
+              <a:t> </a:t>
+            </a:r>
+            <a:r>
+              <a:rPr lang="en-US" dirty="0" err="1"/>
+              <a:t>Fazit</a:t>
+            </a:r>
+            <a:r>
+              <a:rPr lang="en-US" dirty="0"/>
+              <a:t>, Learnings</a:t>
+            </a:r>
+          </a:p>
+          <a:p>
+            <a:endParaRPr lang="de-CH" dirty="0"/>
+          </a:p>
+        </p:txBody>
+      </p:sp>
+    </p:spTree>
+    <p:extLst>
+      <p:ext uri="{BB962C8B-B14F-4D97-AF65-F5344CB8AC3E}">
+        <p14:creationId xmlns:p14="http://schemas.microsoft.com/office/powerpoint/2010/main" val="1577424640"/>
+      </p:ext>
+    </p:extLst>
+  </p:cSld>
+  <p:clrMapOvr>
+    <a:masterClrMapping/>
+  </p:clrMapOvr>
+</p:sld>
+</file>
+
 <file path=ppt/theme/theme1.xml><?xml version="1.0" encoding="utf-8"?>
 <a:theme xmlns:a="http://schemas.openxmlformats.org/drawingml/2006/main" name="Facette">
   <a:themeElements>

--- a/Projekt Dokumente/Präsentation.pptx
+++ b/Projekt Dokumente/Präsentation.pptx
@@ -17,6 +17,7 @@
     <p:sldId id="264" r:id="rId11"/>
     <p:sldId id="265" r:id="rId12"/>
     <p:sldId id="266" r:id="rId13"/>
+    <p:sldId id="268" r:id="rId14"/>
   </p:sldIdLst>
   <p:sldSz cx="12192000" cy="6858000"/>
   <p:notesSz cx="6858000" cy="9144000"/>
@@ -121,6 +122,871 @@
     </p:ext>
   </p:extLst>
 </p:presentation>
+</file>
+
+<file path=ppt/charts/chart1.xml><?xml version="1.0" encoding="utf-8"?>
+<c:chartSpace xmlns:c="http://schemas.openxmlformats.org/drawingml/2006/chart" xmlns:a="http://schemas.openxmlformats.org/drawingml/2006/main" xmlns:r="http://schemas.openxmlformats.org/officeDocument/2006/relationships" xmlns:c16r2="http://schemas.microsoft.com/office/drawing/2015/06/chart">
+  <c:date1904 val="0"/>
+  <c:lang val="de-DE"/>
+  <c:roundedCorners val="0"/>
+  <mc:AlternateContent xmlns:mc="http://schemas.openxmlformats.org/markup-compatibility/2006">
+    <mc:Choice xmlns:c14="http://schemas.microsoft.com/office/drawing/2007/8/2/chart" Requires="c14">
+      <c14:style val="102"/>
+    </mc:Choice>
+    <mc:Fallback>
+      <c:style val="2"/>
+    </mc:Fallback>
+  </mc:AlternateContent>
+  <c:chart>
+    <c:title>
+      <c:tx>
+        <c:rich>
+          <a:bodyPr rot="0" spcFirstLastPara="1" vertOverflow="ellipsis" vert="horz" wrap="square" anchor="ctr" anchorCtr="1"/>
+          <a:lstStyle/>
+          <a:p>
+            <a:pPr>
+              <a:defRPr sz="1862" b="0" i="0" u="none" strike="noStrike" kern="1200" spc="0" baseline="0">
+                <a:solidFill>
+                  <a:schemeClr val="tx1">
+                    <a:lumMod val="65000"/>
+                    <a:lumOff val="35000"/>
+                  </a:schemeClr>
+                </a:solidFill>
+                <a:latin typeface="+mn-lt"/>
+                <a:ea typeface="+mn-ea"/>
+                <a:cs typeface="+mn-cs"/>
+              </a:defRPr>
+            </a:pPr>
+            <a:r>
+              <a:rPr lang="en-US" dirty="0"/>
+              <a:t>Total 149 h</a:t>
+            </a:r>
+          </a:p>
+          <a:p>
+            <a:pPr>
+              <a:defRPr/>
+            </a:pPr>
+            <a:endParaRPr lang="en-US" dirty="0"/>
+          </a:p>
+        </c:rich>
+      </c:tx>
+      <c:overlay val="0"/>
+      <c:spPr>
+        <a:noFill/>
+        <a:ln>
+          <a:noFill/>
+        </a:ln>
+        <a:effectLst/>
+      </c:spPr>
+      <c:txPr>
+        <a:bodyPr rot="0" spcFirstLastPara="1" vertOverflow="ellipsis" vert="horz" wrap="square" anchor="ctr" anchorCtr="1"/>
+        <a:lstStyle/>
+        <a:p>
+          <a:pPr>
+            <a:defRPr sz="1862" b="0" i="0" u="none" strike="noStrike" kern="1200" spc="0" baseline="0">
+              <a:solidFill>
+                <a:schemeClr val="tx1">
+                  <a:lumMod val="65000"/>
+                  <a:lumOff val="35000"/>
+                </a:schemeClr>
+              </a:solidFill>
+              <a:latin typeface="+mn-lt"/>
+              <a:ea typeface="+mn-ea"/>
+              <a:cs typeface="+mn-cs"/>
+            </a:defRPr>
+          </a:pPr>
+          <a:endParaRPr lang="de-DE"/>
+        </a:p>
+      </c:txPr>
+    </c:title>
+    <c:autoTitleDeleted val="0"/>
+    <c:plotArea>
+      <c:layout/>
+      <c:pieChart>
+        <c:varyColors val="1"/>
+        <c:ser>
+          <c:idx val="0"/>
+          <c:order val="0"/>
+          <c:tx>
+            <c:strRef>
+              <c:f>Tabelle1!$B$1</c:f>
+              <c:strCache>
+                <c:ptCount val="1"/>
+                <c:pt idx="0">
+                  <c:v>Total 149</c:v>
+                </c:pt>
+              </c:strCache>
+            </c:strRef>
+          </c:tx>
+          <c:dPt>
+            <c:idx val="0"/>
+            <c:bubble3D val="0"/>
+            <c:spPr>
+              <a:solidFill>
+                <a:schemeClr val="accent1"/>
+              </a:solidFill>
+              <a:ln w="19050">
+                <a:solidFill>
+                  <a:schemeClr val="lt1"/>
+                </a:solidFill>
+              </a:ln>
+              <a:effectLst/>
+            </c:spPr>
+          </c:dPt>
+          <c:dPt>
+            <c:idx val="1"/>
+            <c:bubble3D val="0"/>
+            <c:spPr>
+              <a:solidFill>
+                <a:schemeClr val="accent2"/>
+              </a:solidFill>
+              <a:ln w="19050">
+                <a:solidFill>
+                  <a:schemeClr val="lt1"/>
+                </a:solidFill>
+              </a:ln>
+              <a:effectLst/>
+            </c:spPr>
+          </c:dPt>
+          <c:dPt>
+            <c:idx val="2"/>
+            <c:bubble3D val="0"/>
+            <c:spPr>
+              <a:solidFill>
+                <a:schemeClr val="accent3"/>
+              </a:solidFill>
+              <a:ln w="19050">
+                <a:solidFill>
+                  <a:schemeClr val="lt1"/>
+                </a:solidFill>
+              </a:ln>
+              <a:effectLst/>
+            </c:spPr>
+          </c:dPt>
+          <c:dPt>
+            <c:idx val="3"/>
+            <c:bubble3D val="0"/>
+            <c:spPr>
+              <a:solidFill>
+                <a:schemeClr val="accent4"/>
+              </a:solidFill>
+              <a:ln w="19050">
+                <a:solidFill>
+                  <a:schemeClr val="lt1"/>
+                </a:solidFill>
+              </a:ln>
+              <a:effectLst/>
+            </c:spPr>
+          </c:dPt>
+          <c:dLbls>
+            <c:spPr>
+              <a:solidFill>
+                <a:prstClr val="white"/>
+              </a:solidFill>
+              <a:ln>
+                <a:solidFill>
+                  <a:prstClr val="black">
+                    <a:lumMod val="25000"/>
+                    <a:lumOff val="75000"/>
+                  </a:prstClr>
+                </a:solidFill>
+              </a:ln>
+              <a:effectLst/>
+            </c:spPr>
+            <c:txPr>
+              <a:bodyPr rot="0" spcFirstLastPara="1" vertOverflow="clip" horzOverflow="clip" vert="horz" wrap="square" lIns="38100" tIns="19050" rIns="38100" bIns="19050" anchor="ctr" anchorCtr="1">
+                <a:spAutoFit/>
+              </a:bodyPr>
+              <a:lstStyle/>
+              <a:p>
+                <a:pPr>
+                  <a:defRPr sz="1197" b="0" i="0" u="none" strike="noStrike" kern="1200" baseline="0">
+                    <a:solidFill>
+                      <a:schemeClr val="dk1">
+                        <a:lumMod val="65000"/>
+                        <a:lumOff val="35000"/>
+                      </a:schemeClr>
+                    </a:solidFill>
+                    <a:latin typeface="+mn-lt"/>
+                    <a:ea typeface="+mn-ea"/>
+                    <a:cs typeface="+mn-cs"/>
+                  </a:defRPr>
+                </a:pPr>
+                <a:endParaRPr lang="de-DE"/>
+              </a:p>
+            </c:txPr>
+            <c:dLblPos val="outEnd"/>
+            <c:showLegendKey val="0"/>
+            <c:showVal val="0"/>
+            <c:showCatName val="1"/>
+            <c:showSerName val="0"/>
+            <c:showPercent val="1"/>
+            <c:showBubbleSize val="0"/>
+            <c:showLeaderLines val="0"/>
+            <c:extLst>
+              <c:ext xmlns:c15="http://schemas.microsoft.com/office/drawing/2012/chart" uri="{CE6537A1-D6FC-4f65-9D91-7224C49458BB}">
+                <c15:spPr xmlns:c15="http://schemas.microsoft.com/office/drawing/2012/chart">
+                  <a:prstGeom prst="wedgeRectCallout">
+                    <a:avLst/>
+                  </a:prstGeom>
+                  <a:noFill/>
+                  <a:ln>
+                    <a:noFill/>
+                  </a:ln>
+                </c15:spPr>
+              </c:ext>
+            </c:extLst>
+          </c:dLbls>
+          <c:cat>
+            <c:strRef>
+              <c:f>Tabelle1!$A$2:$A$5</c:f>
+              <c:strCache>
+                <c:ptCount val="4"/>
+                <c:pt idx="0">
+                  <c:v>Analyse / Design</c:v>
+                </c:pt>
+                <c:pt idx="1">
+                  <c:v>Implementation</c:v>
+                </c:pt>
+                <c:pt idx="2">
+                  <c:v>Test / Bugfixing</c:v>
+                </c:pt>
+                <c:pt idx="3">
+                  <c:v>Sonstiges</c:v>
+                </c:pt>
+              </c:strCache>
+            </c:strRef>
+          </c:cat>
+          <c:val>
+            <c:numRef>
+              <c:f>Tabelle1!$B$2:$B$5</c:f>
+              <c:numCache>
+                <c:formatCode>General</c:formatCode>
+                <c:ptCount val="4"/>
+                <c:pt idx="0">
+                  <c:v>21</c:v>
+                </c:pt>
+                <c:pt idx="1">
+                  <c:v>79</c:v>
+                </c:pt>
+                <c:pt idx="2">
+                  <c:v>41</c:v>
+                </c:pt>
+                <c:pt idx="3">
+                  <c:v>8</c:v>
+                </c:pt>
+              </c:numCache>
+            </c:numRef>
+          </c:val>
+          <c:extLst>
+            <c:ext xmlns:c16="http://schemas.microsoft.com/office/drawing/2014/chart" uri="{C3380CC4-5D6E-409C-BE32-E72D297353CC}">
+              <c16:uniqueId val="{00000000-B83E-4118-8C70-5A0FA72AB292}"/>
+            </c:ext>
+          </c:extLst>
+        </c:ser>
+        <c:dLbls>
+          <c:showLegendKey val="0"/>
+          <c:showVal val="0"/>
+          <c:showCatName val="0"/>
+          <c:showSerName val="0"/>
+          <c:showPercent val="0"/>
+          <c:showBubbleSize val="0"/>
+          <c:showLeaderLines val="0"/>
+        </c:dLbls>
+        <c:firstSliceAng val="0"/>
+      </c:pieChart>
+      <c:spPr>
+        <a:noFill/>
+        <a:ln>
+          <a:noFill/>
+        </a:ln>
+        <a:effectLst/>
+      </c:spPr>
+    </c:plotArea>
+    <c:plotVisOnly val="1"/>
+    <c:dispBlanksAs val="gap"/>
+    <c:showDLblsOverMax val="0"/>
+  </c:chart>
+  <c:spPr>
+    <a:noFill/>
+    <a:ln>
+      <a:noFill/>
+    </a:ln>
+    <a:effectLst/>
+  </c:spPr>
+  <c:txPr>
+    <a:bodyPr/>
+    <a:lstStyle/>
+    <a:p>
+      <a:pPr>
+        <a:defRPr/>
+      </a:pPr>
+      <a:endParaRPr lang="de-DE"/>
+    </a:p>
+  </c:txPr>
+  <c:externalData r:id="rId3">
+    <c:autoUpdate val="0"/>
+  </c:externalData>
+</c:chartSpace>
+</file>
+
+<file path=ppt/charts/colors1.xml><?xml version="1.0" encoding="utf-8"?>
+<cs:colorStyle xmlns:cs="http://schemas.microsoft.com/office/drawing/2012/chartStyle" xmlns:a="http://schemas.openxmlformats.org/drawingml/2006/main" meth="cycle" id="10">
+  <a:schemeClr val="accent1"/>
+  <a:schemeClr val="accent2"/>
+  <a:schemeClr val="accent3"/>
+  <a:schemeClr val="accent4"/>
+  <a:schemeClr val="accent5"/>
+  <a:schemeClr val="accent6"/>
+  <cs:variation/>
+  <cs:variation>
+    <a:lumMod val="60000"/>
+  </cs:variation>
+  <cs:variation>
+    <a:lumMod val="80000"/>
+    <a:lumOff val="20000"/>
+  </cs:variation>
+  <cs:variation>
+    <a:lumMod val="80000"/>
+  </cs:variation>
+  <cs:variation>
+    <a:lumMod val="60000"/>
+    <a:lumOff val="40000"/>
+  </cs:variation>
+  <cs:variation>
+    <a:lumMod val="50000"/>
+  </cs:variation>
+  <cs:variation>
+    <a:lumMod val="70000"/>
+    <a:lumOff val="30000"/>
+  </cs:variation>
+  <cs:variation>
+    <a:lumMod val="70000"/>
+  </cs:variation>
+  <cs:variation>
+    <a:lumMod val="50000"/>
+    <a:lumOff val="50000"/>
+  </cs:variation>
+</cs:colorStyle>
+</file>
+
+<file path=ppt/charts/style1.xml><?xml version="1.0" encoding="utf-8"?>
+<cs:chartStyle xmlns:cs="http://schemas.microsoft.com/office/drawing/2012/chartStyle" xmlns:a="http://schemas.openxmlformats.org/drawingml/2006/main" id="251">
+  <cs:axisTitle>
+    <cs:lnRef idx="0"/>
+    <cs:fillRef idx="0"/>
+    <cs:effectRef idx="0"/>
+    <cs:fontRef idx="minor">
+      <a:schemeClr val="tx1">
+        <a:lumMod val="65000"/>
+        <a:lumOff val="35000"/>
+      </a:schemeClr>
+    </cs:fontRef>
+    <cs:defRPr sz="1330" kern="1200"/>
+  </cs:axisTitle>
+  <cs:categoryAxis>
+    <cs:lnRef idx="0"/>
+    <cs:fillRef idx="0"/>
+    <cs:effectRef idx="0"/>
+    <cs:fontRef idx="minor">
+      <a:schemeClr val="tx1">
+        <a:lumMod val="65000"/>
+        <a:lumOff val="35000"/>
+      </a:schemeClr>
+    </cs:fontRef>
+    <cs:spPr>
+      <a:ln w="9525" cap="flat" cmpd="sng" algn="ctr">
+        <a:solidFill>
+          <a:schemeClr val="tx1">
+            <a:lumMod val="15000"/>
+            <a:lumOff val="85000"/>
+          </a:schemeClr>
+        </a:solidFill>
+        <a:round/>
+      </a:ln>
+    </cs:spPr>
+    <cs:defRPr sz="1197" kern="1200"/>
+  </cs:categoryAxis>
+  <cs:chartArea mods="allowNoFillOverride allowNoLineOverride">
+    <cs:lnRef idx="0"/>
+    <cs:fillRef idx="0"/>
+    <cs:effectRef idx="0"/>
+    <cs:fontRef idx="minor">
+      <a:schemeClr val="tx1"/>
+    </cs:fontRef>
+    <cs:spPr>
+      <a:solidFill>
+        <a:schemeClr val="bg1"/>
+      </a:solidFill>
+      <a:ln w="9525" cap="flat" cmpd="sng" algn="ctr">
+        <a:solidFill>
+          <a:schemeClr val="tx1">
+            <a:lumMod val="15000"/>
+            <a:lumOff val="85000"/>
+          </a:schemeClr>
+        </a:solidFill>
+        <a:round/>
+      </a:ln>
+    </cs:spPr>
+    <cs:defRPr sz="1197" kern="1200"/>
+  </cs:chartArea>
+  <cs:dataLabel>
+    <cs:lnRef idx="0"/>
+    <cs:fillRef idx="0"/>
+    <cs:effectRef idx="0"/>
+    <cs:fontRef idx="minor">
+      <a:schemeClr val="tx1">
+        <a:lumMod val="75000"/>
+        <a:lumOff val="25000"/>
+      </a:schemeClr>
+    </cs:fontRef>
+    <cs:defRPr sz="1197" kern="1200"/>
+  </cs:dataLabel>
+  <cs:dataLabelCallout>
+    <cs:lnRef idx="0"/>
+    <cs:fillRef idx="0"/>
+    <cs:effectRef idx="0"/>
+    <cs:fontRef idx="minor">
+      <a:schemeClr val="dk1">
+        <a:lumMod val="65000"/>
+        <a:lumOff val="35000"/>
+      </a:schemeClr>
+    </cs:fontRef>
+    <cs:spPr>
+      <a:solidFill>
+        <a:schemeClr val="lt1"/>
+      </a:solidFill>
+      <a:ln>
+        <a:solidFill>
+          <a:schemeClr val="dk1">
+            <a:lumMod val="25000"/>
+            <a:lumOff val="75000"/>
+          </a:schemeClr>
+        </a:solidFill>
+      </a:ln>
+    </cs:spPr>
+    <cs:defRPr sz="1197" kern="1200"/>
+    <cs:bodyPr rot="0" spcFirstLastPara="1" vertOverflow="clip" horzOverflow="clip" vert="horz" wrap="square" lIns="36576" tIns="18288" rIns="36576" bIns="18288" anchor="ctr" anchorCtr="1">
+      <a:spAutoFit/>
+    </cs:bodyPr>
+  </cs:dataLabelCallout>
+  <cs:dataPoint>
+    <cs:lnRef idx="0"/>
+    <cs:fillRef idx="1">
+      <cs:styleClr val="auto"/>
+    </cs:fillRef>
+    <cs:effectRef idx="0"/>
+    <cs:fontRef idx="minor">
+      <a:schemeClr val="tx1"/>
+    </cs:fontRef>
+    <cs:spPr>
+      <a:ln w="19050">
+        <a:solidFill>
+          <a:schemeClr val="lt1"/>
+        </a:solidFill>
+      </a:ln>
+    </cs:spPr>
+  </cs:dataPoint>
+  <cs:dataPoint3D>
+    <cs:lnRef idx="0"/>
+    <cs:fillRef idx="1">
+      <cs:styleClr val="auto"/>
+    </cs:fillRef>
+    <cs:effectRef idx="0"/>
+    <cs:fontRef idx="minor">
+      <a:schemeClr val="tx1"/>
+    </cs:fontRef>
+    <cs:spPr>
+      <a:ln w="25400">
+        <a:solidFill>
+          <a:schemeClr val="lt1"/>
+        </a:solidFill>
+      </a:ln>
+    </cs:spPr>
+  </cs:dataPoint3D>
+  <cs:dataPointLine>
+    <cs:lnRef idx="0">
+      <cs:styleClr val="auto"/>
+    </cs:lnRef>
+    <cs:fillRef idx="0"/>
+    <cs:effectRef idx="0"/>
+    <cs:fontRef idx="minor">
+      <a:schemeClr val="tx1"/>
+    </cs:fontRef>
+    <cs:spPr>
+      <a:ln w="28575" cap="rnd">
+        <a:solidFill>
+          <a:schemeClr val="phClr"/>
+        </a:solidFill>
+        <a:round/>
+      </a:ln>
+    </cs:spPr>
+  </cs:dataPointLine>
+  <cs:dataPointMarker>
+    <cs:lnRef idx="0">
+      <cs:styleClr val="auto"/>
+    </cs:lnRef>
+    <cs:fillRef idx="1">
+      <cs:styleClr val="auto"/>
+    </cs:fillRef>
+    <cs:effectRef idx="0"/>
+    <cs:fontRef idx="minor">
+      <a:schemeClr val="tx1"/>
+    </cs:fontRef>
+    <cs:spPr>
+      <a:ln w="9525">
+        <a:solidFill>
+          <a:schemeClr val="phClr"/>
+        </a:solidFill>
+      </a:ln>
+    </cs:spPr>
+  </cs:dataPointMarker>
+  <cs:dataPointMarkerLayout symbol="circle" size="5"/>
+  <cs:dataPointWireframe>
+    <cs:lnRef idx="0">
+      <cs:styleClr val="auto"/>
+    </cs:lnRef>
+    <cs:fillRef idx="0"/>
+    <cs:effectRef idx="0"/>
+    <cs:fontRef idx="minor">
+      <a:schemeClr val="tx1"/>
+    </cs:fontRef>
+    <cs:spPr>
+      <a:ln w="9525" cap="rnd">
+        <a:solidFill>
+          <a:schemeClr val="phClr"/>
+        </a:solidFill>
+        <a:round/>
+      </a:ln>
+    </cs:spPr>
+  </cs:dataPointWireframe>
+  <cs:dataTable>
+    <cs:lnRef idx="0"/>
+    <cs:fillRef idx="0"/>
+    <cs:effectRef idx="0"/>
+    <cs:fontRef idx="minor">
+      <a:schemeClr val="tx1">
+        <a:lumMod val="65000"/>
+        <a:lumOff val="35000"/>
+      </a:schemeClr>
+    </cs:fontRef>
+    <cs:spPr>
+      <a:noFill/>
+      <a:ln w="9525" cap="flat" cmpd="sng" algn="ctr">
+        <a:solidFill>
+          <a:schemeClr val="tx1">
+            <a:lumMod val="15000"/>
+            <a:lumOff val="85000"/>
+          </a:schemeClr>
+        </a:solidFill>
+        <a:round/>
+      </a:ln>
+    </cs:spPr>
+    <cs:defRPr sz="1197" kern="1200"/>
+  </cs:dataTable>
+  <cs:downBar>
+    <cs:lnRef idx="0"/>
+    <cs:fillRef idx="0"/>
+    <cs:effectRef idx="0"/>
+    <cs:fontRef idx="minor">
+      <a:schemeClr val="tx1"/>
+    </cs:fontRef>
+    <cs:spPr>
+      <a:solidFill>
+        <a:schemeClr val="dk1">
+          <a:lumMod val="75000"/>
+          <a:lumOff val="25000"/>
+        </a:schemeClr>
+      </a:solidFill>
+      <a:ln w="9525" cap="flat" cmpd="sng" algn="ctr">
+        <a:solidFill>
+          <a:schemeClr val="tx1">
+            <a:lumMod val="65000"/>
+            <a:lumOff val="35000"/>
+          </a:schemeClr>
+        </a:solidFill>
+        <a:round/>
+      </a:ln>
+    </cs:spPr>
+  </cs:downBar>
+  <cs:dropLine>
+    <cs:lnRef idx="0"/>
+    <cs:fillRef idx="0"/>
+    <cs:effectRef idx="0"/>
+    <cs:fontRef idx="minor">
+      <a:schemeClr val="tx1"/>
+    </cs:fontRef>
+    <cs:spPr>
+      <a:ln w="9525" cap="flat" cmpd="sng" algn="ctr">
+        <a:solidFill>
+          <a:schemeClr val="tx1">
+            <a:lumMod val="35000"/>
+            <a:lumOff val="65000"/>
+          </a:schemeClr>
+        </a:solidFill>
+        <a:round/>
+      </a:ln>
+    </cs:spPr>
+  </cs:dropLine>
+  <cs:errorBar>
+    <cs:lnRef idx="0"/>
+    <cs:fillRef idx="0"/>
+    <cs:effectRef idx="0"/>
+    <cs:fontRef idx="minor">
+      <a:schemeClr val="tx1"/>
+    </cs:fontRef>
+    <cs:spPr>
+      <a:ln w="9525" cap="flat" cmpd="sng" algn="ctr">
+        <a:solidFill>
+          <a:schemeClr val="tx1">
+            <a:lumMod val="65000"/>
+            <a:lumOff val="35000"/>
+          </a:schemeClr>
+        </a:solidFill>
+        <a:round/>
+      </a:ln>
+    </cs:spPr>
+  </cs:errorBar>
+  <cs:floor>
+    <cs:lnRef idx="0"/>
+    <cs:fillRef idx="0"/>
+    <cs:effectRef idx="0"/>
+    <cs:fontRef idx="minor">
+      <a:schemeClr val="tx1"/>
+    </cs:fontRef>
+    <cs:spPr>
+      <a:noFill/>
+      <a:ln>
+        <a:noFill/>
+      </a:ln>
+    </cs:spPr>
+  </cs:floor>
+  <cs:gridlineMajor>
+    <cs:lnRef idx="0"/>
+    <cs:fillRef idx="0"/>
+    <cs:effectRef idx="0"/>
+    <cs:fontRef idx="minor">
+      <a:schemeClr val="tx1"/>
+    </cs:fontRef>
+    <cs:spPr>
+      <a:ln w="9525" cap="flat" cmpd="sng" algn="ctr">
+        <a:solidFill>
+          <a:schemeClr val="tx1">
+            <a:lumMod val="15000"/>
+            <a:lumOff val="85000"/>
+          </a:schemeClr>
+        </a:solidFill>
+        <a:round/>
+      </a:ln>
+    </cs:spPr>
+  </cs:gridlineMajor>
+  <cs:gridlineMinor>
+    <cs:lnRef idx="0"/>
+    <cs:fillRef idx="0"/>
+    <cs:effectRef idx="0"/>
+    <cs:fontRef idx="minor">
+      <a:schemeClr val="tx1"/>
+    </cs:fontRef>
+    <cs:spPr>
+      <a:ln w="9525" cap="flat" cmpd="sng" algn="ctr">
+        <a:solidFill>
+          <a:schemeClr val="tx1">
+            <a:lumMod val="5000"/>
+            <a:lumOff val="95000"/>
+          </a:schemeClr>
+        </a:solidFill>
+        <a:round/>
+      </a:ln>
+    </cs:spPr>
+  </cs:gridlineMinor>
+  <cs:hiLoLine>
+    <cs:lnRef idx="0"/>
+    <cs:fillRef idx="0"/>
+    <cs:effectRef idx="0"/>
+    <cs:fontRef idx="minor">
+      <a:schemeClr val="tx1"/>
+    </cs:fontRef>
+    <cs:spPr>
+      <a:ln w="9525" cap="flat" cmpd="sng" algn="ctr">
+        <a:solidFill>
+          <a:schemeClr val="tx1">
+            <a:lumMod val="50000"/>
+            <a:lumOff val="50000"/>
+          </a:schemeClr>
+        </a:solidFill>
+        <a:round/>
+      </a:ln>
+    </cs:spPr>
+  </cs:hiLoLine>
+  <cs:leaderLine>
+    <cs:lnRef idx="0"/>
+    <cs:fillRef idx="0"/>
+    <cs:effectRef idx="0"/>
+    <cs:fontRef idx="minor">
+      <a:schemeClr val="tx1"/>
+    </cs:fontRef>
+    <cs:spPr>
+      <a:ln w="9525" cap="flat" cmpd="sng" algn="ctr">
+        <a:solidFill>
+          <a:schemeClr val="tx1">
+            <a:lumMod val="35000"/>
+            <a:lumOff val="65000"/>
+          </a:schemeClr>
+        </a:solidFill>
+        <a:round/>
+      </a:ln>
+    </cs:spPr>
+  </cs:leaderLine>
+  <cs:legend>
+    <cs:lnRef idx="0"/>
+    <cs:fillRef idx="0"/>
+    <cs:effectRef idx="0"/>
+    <cs:fontRef idx="minor">
+      <a:schemeClr val="tx1">
+        <a:lumMod val="65000"/>
+        <a:lumOff val="35000"/>
+      </a:schemeClr>
+    </cs:fontRef>
+    <cs:defRPr sz="1197" kern="1200"/>
+  </cs:legend>
+  <cs:plotArea mods="allowNoFillOverride allowNoLineOverride">
+    <cs:lnRef idx="0"/>
+    <cs:fillRef idx="0"/>
+    <cs:effectRef idx="0"/>
+    <cs:fontRef idx="minor">
+      <a:schemeClr val="tx1"/>
+    </cs:fontRef>
+  </cs:plotArea>
+  <cs:plotArea3D mods="allowNoFillOverride allowNoLineOverride">
+    <cs:lnRef idx="0"/>
+    <cs:fillRef idx="0"/>
+    <cs:effectRef idx="0"/>
+    <cs:fontRef idx="minor">
+      <a:schemeClr val="tx1"/>
+    </cs:fontRef>
+  </cs:plotArea3D>
+  <cs:seriesAxis>
+    <cs:lnRef idx="0"/>
+    <cs:fillRef idx="0"/>
+    <cs:effectRef idx="0"/>
+    <cs:fontRef idx="minor">
+      <a:schemeClr val="tx1">
+        <a:lumMod val="65000"/>
+        <a:lumOff val="35000"/>
+      </a:schemeClr>
+    </cs:fontRef>
+    <cs:defRPr sz="1197" kern="1200"/>
+  </cs:seriesAxis>
+  <cs:seriesLine>
+    <cs:lnRef idx="0"/>
+    <cs:fillRef idx="0"/>
+    <cs:effectRef idx="0"/>
+    <cs:fontRef idx="minor">
+      <a:schemeClr val="tx1"/>
+    </cs:fontRef>
+    <cs:spPr>
+      <a:ln w="9525" cap="flat" cmpd="sng" algn="ctr">
+        <a:solidFill>
+          <a:schemeClr val="tx1">
+            <a:lumMod val="35000"/>
+            <a:lumOff val="65000"/>
+          </a:schemeClr>
+        </a:solidFill>
+        <a:round/>
+      </a:ln>
+    </cs:spPr>
+  </cs:seriesLine>
+  <cs:title>
+    <cs:lnRef idx="0"/>
+    <cs:fillRef idx="0"/>
+    <cs:effectRef idx="0"/>
+    <cs:fontRef idx="minor">
+      <a:schemeClr val="tx1">
+        <a:lumMod val="65000"/>
+        <a:lumOff val="35000"/>
+      </a:schemeClr>
+    </cs:fontRef>
+    <cs:defRPr sz="1862" b="0" kern="1200" spc="0" baseline="0"/>
+  </cs:title>
+  <cs:trendline>
+    <cs:lnRef idx="0">
+      <cs:styleClr val="auto"/>
+    </cs:lnRef>
+    <cs:fillRef idx="0"/>
+    <cs:effectRef idx="0"/>
+    <cs:fontRef idx="minor">
+      <a:schemeClr val="tx1"/>
+    </cs:fontRef>
+    <cs:spPr>
+      <a:ln w="19050" cap="rnd">
+        <a:solidFill>
+          <a:schemeClr val="phClr"/>
+        </a:solidFill>
+        <a:prstDash val="sysDot"/>
+      </a:ln>
+    </cs:spPr>
+  </cs:trendline>
+  <cs:trendlineLabel>
+    <cs:lnRef idx="0"/>
+    <cs:fillRef idx="0"/>
+    <cs:effectRef idx="0"/>
+    <cs:fontRef idx="minor">
+      <a:schemeClr val="tx1">
+        <a:lumMod val="65000"/>
+        <a:lumOff val="35000"/>
+      </a:schemeClr>
+    </cs:fontRef>
+    <cs:defRPr sz="1197" kern="1200"/>
+  </cs:trendlineLabel>
+  <cs:upBar>
+    <cs:lnRef idx="0"/>
+    <cs:fillRef idx="0"/>
+    <cs:effectRef idx="0"/>
+    <cs:fontRef idx="minor">
+      <a:schemeClr val="tx1"/>
+    </cs:fontRef>
+    <cs:spPr>
+      <a:solidFill>
+        <a:schemeClr val="lt1"/>
+      </a:solidFill>
+      <a:ln w="9525" cap="flat" cmpd="sng" algn="ctr">
+        <a:solidFill>
+          <a:schemeClr val="tx1">
+            <a:lumMod val="65000"/>
+            <a:lumOff val="35000"/>
+          </a:schemeClr>
+        </a:solidFill>
+        <a:round/>
+      </a:ln>
+    </cs:spPr>
+  </cs:upBar>
+  <cs:valueAxis>
+    <cs:lnRef idx="0"/>
+    <cs:fillRef idx="0"/>
+    <cs:effectRef idx="0"/>
+    <cs:fontRef idx="minor">
+      <a:schemeClr val="tx1">
+        <a:lumMod val="65000"/>
+        <a:lumOff val="35000"/>
+      </a:schemeClr>
+    </cs:fontRef>
+    <cs:defRPr sz="1197" kern="1200"/>
+  </cs:valueAxis>
+  <cs:wall>
+    <cs:lnRef idx="0"/>
+    <cs:fillRef idx="0"/>
+    <cs:effectRef idx="0"/>
+    <cs:fontRef idx="minor">
+      <a:schemeClr val="tx1"/>
+    </cs:fontRef>
+    <cs:spPr>
+      <a:noFill/>
+      <a:ln>
+        <a:noFill/>
+      </a:ln>
+    </cs:spPr>
+  </cs:wall>
+</cs:chartStyle>
 </file>
 
 <file path=ppt/slideLayouts/slideLayout1.xml><?xml version="1.0" encoding="utf-8"?>
@@ -6205,6 +7071,21 @@
             </a:r>
           </a:p>
           <a:p>
+            <a:pPr lvl="1"/>
+            <a:r>
+              <a:rPr lang="en-US" dirty="0"/>
+              <a:t>Testing, DI, </a:t>
+            </a:r>
+            <a:r>
+              <a:rPr lang="en-US" dirty="0" err="1"/>
+              <a:t>Xamarin.Forms</a:t>
+            </a:r>
+            <a:r>
+              <a:rPr lang="en-US" dirty="0"/>
+              <a:t>, </a:t>
+            </a:r>
+          </a:p>
+          <a:p>
             <a:endParaRPr lang="de-CH" dirty="0"/>
           </a:p>
         </p:txBody>
@@ -6286,21 +7167,7 @@
             <a:pPr lvl="1"/>
             <a:r>
               <a:rPr lang="de-CH" dirty="0"/>
-              <a:t>Design der App</a:t>
-            </a:r>
-          </a:p>
-          <a:p>
-            <a:pPr lvl="1"/>
-            <a:r>
-              <a:rPr lang="de-CH" dirty="0"/>
-              <a:t>Icons</a:t>
-            </a:r>
-          </a:p>
-          <a:p>
-            <a:pPr lvl="1"/>
-            <a:r>
-              <a:rPr lang="de-CH" dirty="0"/>
-              <a:t>MVVM</a:t>
+              <a:t>File.IO Datentransfer (Upload / Download)</a:t>
             </a:r>
           </a:p>
           <a:p>
@@ -6310,6 +7177,24 @@
             <a:r>
               <a:rPr lang="de-CH" dirty="0"/>
               <a:t>Umsetzung, Vorgehen</a:t>
+            </a:r>
+          </a:p>
+          <a:p>
+            <a:pPr lvl="1"/>
+            <a:r>
+              <a:rPr lang="de-CH" dirty="0" err="1"/>
+              <a:t>Backgrounding</a:t>
+            </a:r>
+            <a:r>
+              <a:rPr lang="de-CH" dirty="0"/>
+              <a:t> (Android / iOS)</a:t>
+            </a:r>
+          </a:p>
+          <a:p>
+            <a:pPr lvl="1"/>
+            <a:r>
+              <a:rPr lang="de-CH" dirty="0"/>
+              <a:t>Progress (HTTP Datentransfer)</a:t>
             </a:r>
             <a:br>
               <a:rPr lang="de-CH" dirty="0"/>
@@ -6330,8 +7215,35 @@
           <a:p>
             <a:endParaRPr lang="de-CH" dirty="0"/>
           </a:p>
-        </p:txBody>
-      </p:sp>
+          <a:p>
+            <a:endParaRPr lang="de-CH" dirty="0"/>
+          </a:p>
+        </p:txBody>
+      </p:sp>
+      <p:pic>
+        <p:nvPicPr>
+          <p:cNvPr id="4" name="Grafik 3"/>
+          <p:cNvPicPr>
+            <a:picLocks noChangeAspect="1"/>
+          </p:cNvPicPr>
+          <p:nvPr/>
+        </p:nvPicPr>
+        <p:blipFill>
+          <a:blip r:embed="rId2"/>
+          <a:stretch>
+            <a:fillRect/>
+          </a:stretch>
+        </p:blipFill>
+        <p:spPr>
+          <a:xfrm>
+            <a:off x="5506336" y="4100975"/>
+            <a:ext cx="2760478" cy="1906804"/>
+          </a:xfrm>
+          <a:prstGeom prst="rect">
+            <a:avLst/>
+          </a:prstGeom>
+        </p:spPr>
+      </p:pic>
     </p:spTree>
     <p:extLst>
       <p:ext uri="{BB962C8B-B14F-4D97-AF65-F5344CB8AC3E}">
@@ -6379,35 +7291,313 @@
           <a:p>
             <a:r>
               <a:rPr lang="en-US" dirty="0" err="1"/>
-              <a:t>Fazit</a:t>
+              <a:t>Zeitaufwand</a:t>
             </a:r>
             <a:endParaRPr lang="de-CH" dirty="0"/>
           </a:p>
         </p:txBody>
       </p:sp>
-      <p:sp>
-        <p:nvSpPr>
-          <p:cNvPr id="3" name="Inhaltsplatzhalter 2"/>
-          <p:cNvSpPr>
-            <a:spLocks noGrp="1"/>
-          </p:cNvSpPr>
+      <p:graphicFrame>
+        <p:nvGraphicFramePr>
+          <p:cNvPr id="6" name="Inhaltsplatzhalter 5"/>
+          <p:cNvGraphicFramePr>
+            <a:graphicFrameLocks noGrp="1"/>
+          </p:cNvGraphicFramePr>
           <p:nvPr>
             <p:ph idx="1"/>
-          </p:nvPr>
-        </p:nvSpPr>
-        <p:spPr/>
-        <p:txBody>
-          <a:bodyPr/>
-          <a:lstStyle/>
-          <a:p>
-            <a:endParaRPr lang="de-CH" dirty="0"/>
-          </a:p>
-        </p:txBody>
-      </p:sp>
+            <p:extLst>
+              <p:ext uri="{D42A27DB-BD31-4B8C-83A1-F6EECF244321}">
+                <p14:modId xmlns:p14="http://schemas.microsoft.com/office/powerpoint/2010/main" val="477184124"/>
+              </p:ext>
+            </p:extLst>
+          </p:nvPr>
+        </p:nvGraphicFramePr>
+        <p:xfrm>
+          <a:off x="677863" y="1600200"/>
+          <a:ext cx="8596312" cy="4441825"/>
+        </p:xfrm>
+        <a:graphic>
+          <a:graphicData uri="http://schemas.openxmlformats.org/drawingml/2006/chart">
+            <c:chart xmlns:c="http://schemas.openxmlformats.org/drawingml/2006/chart" xmlns:r="http://schemas.openxmlformats.org/officeDocument/2006/relationships" r:id="rId2"/>
+          </a:graphicData>
+        </a:graphic>
+      </p:graphicFrame>
     </p:spTree>
     <p:extLst>
       <p:ext uri="{BB962C8B-B14F-4D97-AF65-F5344CB8AC3E}">
         <p14:creationId xmlns:p14="http://schemas.microsoft.com/office/powerpoint/2010/main" val="1798443852"/>
+      </p:ext>
+    </p:extLst>
+  </p:cSld>
+  <p:clrMapOvr>
+    <a:masterClrMapping/>
+  </p:clrMapOvr>
+</p:sld>
+</file>
+
+<file path=ppt/slides/slide13.xml><?xml version="1.0" encoding="utf-8"?>
+<p:sld xmlns:a="http://schemas.openxmlformats.org/drawingml/2006/main" xmlns:r="http://schemas.openxmlformats.org/officeDocument/2006/relationships" xmlns:p="http://schemas.openxmlformats.org/presentationml/2006/main">
+  <p:cSld>
+    <p:spTree>
+      <p:nvGrpSpPr>
+        <p:cNvPr id="1" name=""/>
+        <p:cNvGrpSpPr/>
+        <p:nvPr/>
+      </p:nvGrpSpPr>
+      <p:grpSpPr>
+        <a:xfrm>
+          <a:off x="0" y="0"/>
+          <a:ext cx="0" cy="0"/>
+          <a:chOff x="0" y="0"/>
+          <a:chExt cx="0" cy="0"/>
+        </a:xfrm>
+      </p:grpSpPr>
+      <p:sp>
+        <p:nvSpPr>
+          <p:cNvPr id="2" name="Titel 1"/>
+          <p:cNvSpPr>
+            <a:spLocks noGrp="1"/>
+          </p:cNvSpPr>
+          <p:nvPr>
+            <p:ph type="title"/>
+          </p:nvPr>
+        </p:nvSpPr>
+        <p:spPr/>
+        <p:txBody>
+          <a:bodyPr/>
+          <a:lstStyle/>
+          <a:p>
+            <a:r>
+              <a:rPr lang="en-US" dirty="0" err="1"/>
+              <a:t>Fazit</a:t>
+            </a:r>
+            <a:endParaRPr lang="de-CH" dirty="0"/>
+          </a:p>
+        </p:txBody>
+      </p:sp>
+      <p:sp>
+        <p:nvSpPr>
+          <p:cNvPr id="3" name="Inhaltsplatzhalter 2"/>
+          <p:cNvSpPr>
+            <a:spLocks noGrp="1"/>
+          </p:cNvSpPr>
+          <p:nvPr>
+            <p:ph idx="1"/>
+          </p:nvPr>
+        </p:nvSpPr>
+        <p:spPr/>
+        <p:txBody>
+          <a:bodyPr>
+            <a:normAutofit/>
+          </a:bodyPr>
+          <a:lstStyle/>
+          <a:p>
+            <a:r>
+              <a:rPr lang="en-US" dirty="0" err="1"/>
+              <a:t>Automatisiertes</a:t>
+            </a:r>
+            <a:r>
+              <a:rPr lang="en-US" dirty="0"/>
+              <a:t> Testing</a:t>
+            </a:r>
+          </a:p>
+          <a:p>
+            <a:pPr lvl="1"/>
+            <a:r>
+              <a:rPr lang="en-US" dirty="0"/>
+              <a:t>Mocking-</a:t>
+            </a:r>
+            <a:r>
+              <a:rPr lang="en-US" dirty="0" err="1"/>
+              <a:t>Aufwand</a:t>
+            </a:r>
+            <a:r>
+              <a:rPr lang="en-US" dirty="0"/>
+              <a:t> </a:t>
+            </a:r>
+            <a:r>
+              <a:rPr lang="en-US" dirty="0" err="1"/>
+              <a:t>zu</a:t>
+            </a:r>
+            <a:r>
+              <a:rPr lang="en-US" dirty="0"/>
+              <a:t> gross, </a:t>
+            </a:r>
+            <a:r>
+              <a:rPr lang="en-US" dirty="0" err="1"/>
+              <a:t>darum</a:t>
+            </a:r>
+            <a:r>
+              <a:rPr lang="en-US" dirty="0"/>
+              <a:t> </a:t>
+            </a:r>
+            <a:r>
+              <a:rPr lang="en-US" dirty="0" err="1"/>
+              <a:t>bewusst</a:t>
+            </a:r>
+            <a:r>
+              <a:rPr lang="en-US" dirty="0"/>
+              <a:t> </a:t>
+            </a:r>
+            <a:r>
+              <a:rPr lang="en-US" dirty="0" err="1"/>
+              <a:t>vernachlässigt</a:t>
+            </a:r>
+            <a:endParaRPr lang="en-US" dirty="0"/>
+          </a:p>
+          <a:p>
+            <a:r>
+              <a:rPr lang="en-US" dirty="0" err="1"/>
+              <a:t>Xamarin</a:t>
+            </a:r>
+            <a:r>
+              <a:rPr lang="en-US" dirty="0"/>
+              <a:t> </a:t>
+            </a:r>
+            <a:r>
+              <a:rPr lang="en-US" dirty="0" err="1"/>
+              <a:t>Generell</a:t>
+            </a:r>
+            <a:endParaRPr lang="en-US" dirty="0"/>
+          </a:p>
+          <a:p>
+            <a:pPr lvl="1"/>
+            <a:r>
+              <a:rPr lang="en-US" dirty="0" err="1"/>
+              <a:t>Platformunabhängikeit</a:t>
+            </a:r>
+            <a:endParaRPr lang="en-US" dirty="0"/>
+          </a:p>
+          <a:p>
+            <a:r>
+              <a:rPr lang="en-US" dirty="0" err="1"/>
+              <a:t>Xamarin.Forms</a:t>
+            </a:r>
+            <a:r>
+              <a:rPr lang="en-US" dirty="0"/>
+              <a:t> View Lifecycle</a:t>
+            </a:r>
+          </a:p>
+          <a:p>
+            <a:r>
+              <a:rPr lang="en-US" dirty="0"/>
+              <a:t>Ecosystem/</a:t>
+            </a:r>
+            <a:r>
+              <a:rPr lang="en-US" dirty="0" err="1"/>
+              <a:t>Entwicklungsumgebung</a:t>
+            </a:r>
+            <a:endParaRPr lang="en-US" dirty="0"/>
+          </a:p>
+          <a:p>
+            <a:pPr lvl="1"/>
+            <a:r>
+              <a:rPr lang="en-US" dirty="0"/>
+              <a:t>IDE Mac, Windows,</a:t>
+            </a:r>
+          </a:p>
+          <a:p>
+            <a:pPr lvl="1"/>
+            <a:r>
+              <a:rPr lang="en-US" dirty="0" err="1"/>
+              <a:t>Nuget</a:t>
+            </a:r>
+            <a:r>
+              <a:rPr lang="en-US" dirty="0"/>
+              <a:t>-Packages update</a:t>
+            </a:r>
+          </a:p>
+          <a:p>
+            <a:r>
+              <a:rPr lang="en-US" dirty="0" err="1"/>
+              <a:t>Zeitplan</a:t>
+            </a:r>
+            <a:r>
+              <a:rPr lang="en-US" dirty="0"/>
+              <a:t> </a:t>
+            </a:r>
+            <a:r>
+              <a:rPr lang="en-US" dirty="0" err="1"/>
+              <a:t>für</a:t>
+            </a:r>
+            <a:r>
+              <a:rPr lang="en-US" dirty="0"/>
+              <a:t> </a:t>
+            </a:r>
+            <a:r>
+              <a:rPr lang="en-US" dirty="0" err="1"/>
+              <a:t>Arbeit</a:t>
+            </a:r>
+            <a:endParaRPr lang="en-US" dirty="0"/>
+          </a:p>
+          <a:p>
+            <a:pPr lvl="1"/>
+            <a:r>
+              <a:rPr lang="en-US" dirty="0" err="1"/>
+              <a:t>Unmöglich</a:t>
+            </a:r>
+            <a:r>
+              <a:rPr lang="en-US" dirty="0"/>
+              <a:t> </a:t>
+            </a:r>
+            <a:r>
+              <a:rPr lang="en-US" dirty="0" err="1"/>
+              <a:t>alle</a:t>
+            </a:r>
+            <a:r>
+              <a:rPr lang="en-US" dirty="0"/>
+              <a:t> </a:t>
+            </a:r>
+            <a:r>
+              <a:rPr lang="en-US" dirty="0" err="1"/>
+              <a:t>gelernten</a:t>
+            </a:r>
+            <a:r>
+              <a:rPr lang="en-US" dirty="0"/>
+              <a:t> </a:t>
+            </a:r>
+            <a:r>
+              <a:rPr lang="en-US" dirty="0" err="1"/>
+              <a:t>Aspekte</a:t>
+            </a:r>
+            <a:r>
+              <a:rPr lang="en-US" dirty="0"/>
+              <a:t> des CAS </a:t>
+            </a:r>
+            <a:r>
+              <a:rPr lang="en-US" dirty="0" err="1"/>
+              <a:t>im</a:t>
+            </a:r>
+            <a:r>
+              <a:rPr lang="en-US" dirty="0"/>
+              <a:t> </a:t>
+            </a:r>
+            <a:r>
+              <a:rPr lang="en-US" dirty="0" err="1"/>
+              <a:t>Projekt</a:t>
+            </a:r>
+            <a:r>
+              <a:rPr lang="en-US" dirty="0"/>
+              <a:t> </a:t>
+            </a:r>
+            <a:r>
+              <a:rPr lang="en-US" dirty="0" err="1"/>
+              <a:t>unterzubringen</a:t>
+            </a:r>
+            <a:endParaRPr lang="en-US" dirty="0"/>
+          </a:p>
+          <a:p>
+            <a:endParaRPr lang="en-US" dirty="0"/>
+          </a:p>
+          <a:p>
+            <a:endParaRPr lang="de-CH" dirty="0"/>
+          </a:p>
+        </p:txBody>
+      </p:sp>
+    </p:spTree>
+    <p:extLst>
+      <p:ext uri="{BB962C8B-B14F-4D97-AF65-F5344CB8AC3E}">
+        <p14:creationId xmlns:p14="http://schemas.microsoft.com/office/powerpoint/2010/main" val="2239732871"/>
       </p:ext>
     </p:extLst>
   </p:cSld>
@@ -7289,16 +8479,140 @@
         </p:nvSpPr>
         <p:spPr/>
         <p:txBody>
-          <a:bodyPr/>
+          <a:bodyPr>
+            <a:normAutofit/>
+          </a:bodyPr>
           <a:lstStyle/>
           <a:p>
+            <a:r>
+              <a:rPr lang="en-US"/>
+              <a:t>Live Demo</a:t>
+            </a:r>
+            <a:br>
+              <a:rPr lang="en-US"/>
+            </a:br>
+            <a:endParaRPr lang="en-US" dirty="0"/>
+          </a:p>
+          <a:p>
+            <a:r>
+              <a:rPr lang="en-US" dirty="0"/>
+              <a:t>Was </a:t>
+            </a:r>
+            <a:r>
+              <a:rPr lang="en-US" dirty="0" err="1"/>
+              <a:t>funktioniert</a:t>
+            </a:r>
+            <a:r>
+              <a:rPr lang="en-US" dirty="0"/>
+              <a:t> …</a:t>
+            </a:r>
+          </a:p>
+          <a:p>
+            <a:pPr lvl="1"/>
+            <a:r>
+              <a:rPr lang="en-US" dirty="0" err="1"/>
+              <a:t>Datei</a:t>
+            </a:r>
+            <a:r>
+              <a:rPr lang="en-US" dirty="0"/>
+              <a:t> </a:t>
+            </a:r>
+            <a:r>
+              <a:rPr lang="en-US" dirty="0" err="1"/>
+              <a:t>Teilen</a:t>
+            </a:r>
+            <a:r>
+              <a:rPr lang="en-US" dirty="0"/>
+              <a:t>, </a:t>
+            </a:r>
+            <a:r>
+              <a:rPr lang="en-US" dirty="0" err="1"/>
+              <a:t>Datei</a:t>
+            </a:r>
+            <a:r>
+              <a:rPr lang="en-US" dirty="0"/>
+              <a:t> </a:t>
+            </a:r>
+            <a:r>
+              <a:rPr lang="en-US" dirty="0" err="1"/>
+              <a:t>Empfangen</a:t>
+            </a:r>
+            <a:br>
+              <a:rPr lang="en-US" dirty="0"/>
+            </a:br>
+            <a:endParaRPr lang="en-US" dirty="0"/>
+          </a:p>
+          <a:p>
+            <a:r>
+              <a:rPr lang="en-US" dirty="0"/>
+              <a:t>Was </a:t>
+            </a:r>
+            <a:r>
+              <a:rPr lang="en-US" dirty="0" err="1"/>
+              <a:t>funktioniert</a:t>
+            </a:r>
+            <a:r>
+              <a:rPr lang="en-US" dirty="0"/>
+              <a:t> </a:t>
+            </a:r>
+            <a:r>
+              <a:rPr lang="en-US" dirty="0" err="1"/>
+              <a:t>noch</a:t>
+            </a:r>
+            <a:r>
+              <a:rPr lang="en-US" dirty="0"/>
+              <a:t> </a:t>
+            </a:r>
+            <a:r>
+              <a:rPr lang="en-US" dirty="0" err="1"/>
+              <a:t>nicht</a:t>
+            </a:r>
+            <a:r>
+              <a:rPr lang="en-US" dirty="0"/>
+              <a:t>…</a:t>
+            </a:r>
+          </a:p>
+          <a:p>
+            <a:pPr lvl="1"/>
+            <a:r>
+              <a:rPr lang="en-US" dirty="0" err="1"/>
+              <a:t>Shareing</a:t>
+            </a:r>
+            <a:r>
+              <a:rPr lang="en-US" dirty="0"/>
+              <a:t> </a:t>
+            </a:r>
+            <a:r>
+              <a:rPr lang="en-US" dirty="0" err="1"/>
+              <a:t>empfangener</a:t>
+            </a:r>
+            <a:r>
+              <a:rPr lang="en-US" dirty="0"/>
+              <a:t> </a:t>
+            </a:r>
+            <a:r>
+              <a:rPr lang="en-US" dirty="0" err="1"/>
+              <a:t>Datei</a:t>
+            </a:r>
+            <a:endParaRPr lang="en-US" dirty="0"/>
+          </a:p>
+          <a:p>
+            <a:pPr lvl="1"/>
+            <a:r>
+              <a:rPr lang="en-US" dirty="0"/>
+              <a:t>iOS</a:t>
+            </a:r>
+          </a:p>
+          <a:p>
             <a:pPr marL="0" indent="0">
               <a:buNone/>
             </a:pPr>
-            <a:r>
-              <a:rPr lang="en-US" dirty="0"/>
-              <a:t>Live Demo</a:t>
-            </a:r>
+            <a:endParaRPr lang="en-US" dirty="0"/>
+          </a:p>
+          <a:p>
+            <a:pPr marL="0" indent="0">
+              <a:buNone/>
+            </a:pPr>
             <a:endParaRPr lang="de-CH" dirty="0"/>
           </a:p>
         </p:txBody>

--- a/Projekt Dokumente/Präsentation.pptx
+++ b/Projekt Dokumente/Präsentation.pptx
@@ -11,13 +11,14 @@
     <p:sldId id="263" r:id="rId5"/>
     <p:sldId id="258" r:id="rId6"/>
     <p:sldId id="259" r:id="rId7"/>
-    <p:sldId id="267" r:id="rId8"/>
-    <p:sldId id="260" r:id="rId9"/>
-    <p:sldId id="261" r:id="rId10"/>
-    <p:sldId id="264" r:id="rId11"/>
-    <p:sldId id="265" r:id="rId12"/>
-    <p:sldId id="266" r:id="rId13"/>
-    <p:sldId id="268" r:id="rId14"/>
+    <p:sldId id="269" r:id="rId8"/>
+    <p:sldId id="267" r:id="rId9"/>
+    <p:sldId id="260" r:id="rId10"/>
+    <p:sldId id="261" r:id="rId11"/>
+    <p:sldId id="264" r:id="rId12"/>
+    <p:sldId id="265" r:id="rId13"/>
+    <p:sldId id="266" r:id="rId14"/>
+    <p:sldId id="268" r:id="rId15"/>
   </p:sldIdLst>
   <p:sldSz cx="12192000" cy="6858000"/>
   <p:notesSz cx="6858000" cy="9144000"/>
@@ -124,6 +125,18 @@
 </p:presentation>
 </file>
 
+<file path=ppt/commentAuthors.xml><?xml version="1.0" encoding="utf-8"?>
+<p:cmAuthorLst xmlns:a="http://schemas.openxmlformats.org/drawingml/2006/main" xmlns:r="http://schemas.openxmlformats.org/officeDocument/2006/relationships" xmlns:p="http://schemas.openxmlformats.org/presentationml/2006/main">
+  <p:cmAuthor id="1" name="Reto Scherrer" initials="RS" lastIdx="1" clrIdx="0">
+    <p:extLst>
+      <p:ext uri="{19B8F6BF-5375-455C-9EA6-DF929625EA0E}">
+        <p15:presenceInfo xmlns:p15="http://schemas.microsoft.com/office/powerpoint/2012/main" userId="8d9e9cc3ff8b795b" providerId="Windows Live"/>
+      </p:ext>
+    </p:extLst>
+  </p:cmAuthor>
+</p:cmAuthorLst>
+</file>
+
 <file path=ppt/charts/chart1.xml><?xml version="1.0" encoding="utf-8"?>
 <c:chartSpace xmlns:c="http://schemas.openxmlformats.org/drawingml/2006/chart" xmlns:a="http://schemas.openxmlformats.org/drawingml/2006/main" xmlns:r="http://schemas.openxmlformats.org/officeDocument/2006/relationships" xmlns:c16r2="http://schemas.microsoft.com/office/drawing/2015/06/chart">
   <c:date1904 val="0"/>
@@ -159,7 +172,7 @@
             </a:pPr>
             <a:r>
               <a:rPr lang="en-US" dirty="0"/>
-              <a:t>Total 149 h</a:t>
+              <a:t>Total 151 h</a:t>
             </a:r>
           </a:p>
           <a:p>
@@ -232,6 +245,11 @@
               </a:ln>
               <a:effectLst/>
             </c:spPr>
+            <c:extLst>
+              <c:ext xmlns:c16="http://schemas.microsoft.com/office/drawing/2014/chart" uri="{C3380CC4-5D6E-409C-BE32-E72D297353CC}">
+                <c16:uniqueId val="{00000001-ED04-4697-8810-B533A5E3C25E}"/>
+              </c:ext>
+            </c:extLst>
           </c:dPt>
           <c:dPt>
             <c:idx val="1"/>
@@ -247,6 +265,11 @@
               </a:ln>
               <a:effectLst/>
             </c:spPr>
+            <c:extLst>
+              <c:ext xmlns:c16="http://schemas.microsoft.com/office/drawing/2014/chart" uri="{C3380CC4-5D6E-409C-BE32-E72D297353CC}">
+                <c16:uniqueId val="{00000003-ED04-4697-8810-B533A5E3C25E}"/>
+              </c:ext>
+            </c:extLst>
           </c:dPt>
           <c:dPt>
             <c:idx val="2"/>
@@ -262,6 +285,11 @@
               </a:ln>
               <a:effectLst/>
             </c:spPr>
+            <c:extLst>
+              <c:ext xmlns:c16="http://schemas.microsoft.com/office/drawing/2014/chart" uri="{C3380CC4-5D6E-409C-BE32-E72D297353CC}">
+                <c16:uniqueId val="{00000005-ED04-4697-8810-B533A5E3C25E}"/>
+              </c:ext>
+            </c:extLst>
           </c:dPt>
           <c:dPt>
             <c:idx val="3"/>
@@ -277,6 +305,11 @@
               </a:ln>
               <a:effectLst/>
             </c:spPr>
+            <c:extLst>
+              <c:ext xmlns:c16="http://schemas.microsoft.com/office/drawing/2014/chart" uri="{C3380CC4-5D6E-409C-BE32-E72D297353CC}">
+                <c16:uniqueId val="{00000007-ED04-4697-8810-B533A5E3C25E}"/>
+              </c:ext>
+            </c:extLst>
           </c:dPt>
           <c:dLbls>
             <c:spPr>
@@ -989,6 +1022,20 @@
 </cs:chartStyle>
 </file>
 
+<file path=ppt/comments/comment1.xml><?xml version="1.0" encoding="utf-8"?>
+<p:cmLst xmlns:a="http://schemas.openxmlformats.org/drawingml/2006/main" xmlns:r="http://schemas.openxmlformats.org/officeDocument/2006/relationships" xmlns:p="http://schemas.openxmlformats.org/presentationml/2006/main">
+  <p:cm authorId="1" dt="2017-12-09T13:31:36.448" idx="1">
+    <p:pos x="10" y="10"/>
+    <p:text/>
+    <p:extLst>
+      <p:ext uri="{C676402C-5697-4E1C-873F-D02D1690AC5C}">
+        <p15:threadingInfo xmlns:p15="http://schemas.microsoft.com/office/powerpoint/2012/main" timeZoneBias="-60"/>
+      </p:ext>
+    </p:extLst>
+  </p:cm>
+</p:cmLst>
+</file>
+
 <file path=ppt/slideLayouts/slideLayout1.xml><?xml version="1.0" encoding="utf-8"?>
 <p:sldLayout xmlns:a="http://schemas.openxmlformats.org/drawingml/2006/main" xmlns:r="http://schemas.openxmlformats.org/officeDocument/2006/relationships" xmlns:p="http://schemas.openxmlformats.org/presentationml/2006/main" showMasterSp="0" type="title" preserve="1">
   <p:cSld name="Titelfolie">
@@ -6965,6 +7012,149 @@
           <a:p>
             <a:r>
               <a:rPr lang="en-US" dirty="0"/>
+              <a:t>Reto </a:t>
+            </a:r>
+            <a:r>
+              <a:rPr lang="en-US" dirty="0" err="1"/>
+              <a:t>Infanger</a:t>
+            </a:r>
+            <a:endParaRPr lang="de-CH" dirty="0"/>
+          </a:p>
+        </p:txBody>
+      </p:sp>
+      <p:sp>
+        <p:nvSpPr>
+          <p:cNvPr id="3" name="Inhaltsplatzhalter 2"/>
+          <p:cNvSpPr>
+            <a:spLocks noGrp="1"/>
+          </p:cNvSpPr>
+          <p:nvPr>
+            <p:ph idx="1"/>
+          </p:nvPr>
+        </p:nvSpPr>
+        <p:spPr/>
+        <p:txBody>
+          <a:bodyPr/>
+          <a:lstStyle/>
+          <a:p>
+            <a:r>
+              <a:rPr lang="en-US" dirty="0" err="1"/>
+              <a:t>Aufgaben</a:t>
+            </a:r>
+            <a:endParaRPr lang="en-US" dirty="0"/>
+          </a:p>
+          <a:p>
+            <a:pPr lvl="1"/>
+            <a:r>
+              <a:rPr lang="en-US" dirty="0"/>
+              <a:t>Design der App</a:t>
+            </a:r>
+          </a:p>
+          <a:p>
+            <a:pPr lvl="1"/>
+            <a:r>
+              <a:rPr lang="en-US" dirty="0"/>
+              <a:t>Icons</a:t>
+            </a:r>
+          </a:p>
+          <a:p>
+            <a:pPr lvl="1"/>
+            <a:r>
+              <a:rPr lang="en-US" dirty="0"/>
+              <a:t>MVVM</a:t>
+            </a:r>
+          </a:p>
+          <a:p>
+            <a:endParaRPr lang="en-US" dirty="0"/>
+          </a:p>
+          <a:p>
+            <a:r>
+              <a:rPr lang="en-US" dirty="0" err="1"/>
+              <a:t>Umsetzung</a:t>
+            </a:r>
+            <a:r>
+              <a:rPr lang="en-US" dirty="0"/>
+              <a:t>, </a:t>
+            </a:r>
+            <a:r>
+              <a:rPr lang="en-US" dirty="0" err="1"/>
+              <a:t>Vorgehen</a:t>
+            </a:r>
+            <a:br>
+              <a:rPr lang="en-US" dirty="0"/>
+            </a:br>
+            <a:endParaRPr lang="en-US" dirty="0"/>
+          </a:p>
+          <a:p>
+            <a:r>
+              <a:rPr lang="en-US" dirty="0" err="1"/>
+              <a:t>Persönliches</a:t>
+            </a:r>
+            <a:r>
+              <a:rPr lang="en-US" dirty="0"/>
+              <a:t> </a:t>
+            </a:r>
+            <a:r>
+              <a:rPr lang="en-US" dirty="0" err="1"/>
+              <a:t>Fazit</a:t>
+            </a:r>
+            <a:r>
+              <a:rPr lang="en-US" dirty="0"/>
+              <a:t>, Learnings</a:t>
+            </a:r>
+          </a:p>
+          <a:p>
+            <a:endParaRPr lang="de-CH" dirty="0"/>
+          </a:p>
+        </p:txBody>
+      </p:sp>
+    </p:spTree>
+    <p:extLst>
+      <p:ext uri="{BB962C8B-B14F-4D97-AF65-F5344CB8AC3E}">
+        <p14:creationId xmlns:p14="http://schemas.microsoft.com/office/powerpoint/2010/main" val="1577424640"/>
+      </p:ext>
+    </p:extLst>
+  </p:cSld>
+  <p:clrMapOvr>
+    <a:masterClrMapping/>
+  </p:clrMapOvr>
+</p:sld>
+</file>
+
+<file path=ppt/slides/slide11.xml><?xml version="1.0" encoding="utf-8"?>
+<p:sld xmlns:a="http://schemas.openxmlformats.org/drawingml/2006/main" xmlns:r="http://schemas.openxmlformats.org/officeDocument/2006/relationships" xmlns:p="http://schemas.openxmlformats.org/presentationml/2006/main">
+  <p:cSld>
+    <p:spTree>
+      <p:nvGrpSpPr>
+        <p:cNvPr id="1" name=""/>
+        <p:cNvGrpSpPr/>
+        <p:nvPr/>
+      </p:nvGrpSpPr>
+      <p:grpSpPr>
+        <a:xfrm>
+          <a:off x="0" y="0"/>
+          <a:ext cx="0" cy="0"/>
+          <a:chOff x="0" y="0"/>
+          <a:chExt cx="0" cy="0"/>
+        </a:xfrm>
+      </p:grpSpPr>
+      <p:sp>
+        <p:nvSpPr>
+          <p:cNvPr id="2" name="Titel 1"/>
+          <p:cNvSpPr>
+            <a:spLocks noGrp="1"/>
+          </p:cNvSpPr>
+          <p:nvPr>
+            <p:ph type="title"/>
+          </p:nvPr>
+        </p:nvSpPr>
+        <p:spPr/>
+        <p:txBody>
+          <a:bodyPr/>
+          <a:lstStyle/>
+          <a:p>
+            <a:r>
+              <a:rPr lang="en-US" dirty="0"/>
               <a:t>Reto Scherrer</a:t>
             </a:r>
             <a:endParaRPr lang="de-CH" dirty="0"/>
@@ -7103,7 +7293,7 @@
 </p:sld>
 </file>
 
-<file path=ppt/slides/slide11.xml><?xml version="1.0" encoding="utf-8"?>
+<file path=ppt/slides/slide12.xml><?xml version="1.0" encoding="utf-8"?>
 <p:sld xmlns:a="http://schemas.openxmlformats.org/drawingml/2006/main" xmlns:r="http://schemas.openxmlformats.org/officeDocument/2006/relationships" xmlns:p="http://schemas.openxmlformats.org/presentationml/2006/main">
   <p:cSld>
     <p:spTree>
@@ -7257,7 +7447,7 @@
 </p:sld>
 </file>
 
-<file path=ppt/slides/slide12.xml><?xml version="1.0" encoding="utf-8"?>
+<file path=ppt/slides/slide13.xml><?xml version="1.0" encoding="utf-8"?>
 <p:sld xmlns:a="http://schemas.openxmlformats.org/drawingml/2006/main" xmlns:r="http://schemas.openxmlformats.org/officeDocument/2006/relationships" xmlns:p="http://schemas.openxmlformats.org/presentationml/2006/main">
   <p:cSld>
     <p:spTree>
@@ -7307,7 +7497,7 @@
             <p:ph idx="1"/>
             <p:extLst>
               <p:ext uri="{D42A27DB-BD31-4B8C-83A1-F6EECF244321}">
-                <p14:modId xmlns:p14="http://schemas.microsoft.com/office/powerpoint/2010/main" val="477184124"/>
+                <p14:modId xmlns:p14="http://schemas.microsoft.com/office/powerpoint/2010/main" val="1607021918"/>
               </p:ext>
             </p:extLst>
           </p:nvPr>
@@ -7335,7 +7525,7 @@
 </p:sld>
 </file>
 
-<file path=ppt/slides/slide13.xml><?xml version="1.0" encoding="utf-8"?>
+<file path=ppt/slides/slide14.xml><?xml version="1.0" encoding="utf-8"?>
 <p:sld xmlns:a="http://schemas.openxmlformats.org/drawingml/2006/main" xmlns:r="http://schemas.openxmlformats.org/officeDocument/2006/relationships" xmlns:p="http://schemas.openxmlformats.org/presentationml/2006/main">
   <p:cSld>
     <p:spTree>
@@ -7388,7 +7578,7 @@
         <p:spPr/>
         <p:txBody>
           <a:bodyPr>
-            <a:normAutofit/>
+            <a:normAutofit fontScale="92500" lnSpcReduction="10000"/>
           </a:bodyPr>
           <a:lstStyle/>
           <a:p>
@@ -7463,8 +7653,24 @@
           <a:p>
             <a:pPr lvl="1"/>
             <a:r>
+              <a:rPr lang="en-US" dirty="0"/>
+              <a:t>- </a:t>
+            </a:r>
+            <a:r>
               <a:rPr lang="en-US" dirty="0" err="1"/>
               <a:t>Platformunabhängikeit</a:t>
+            </a:r>
+            <a:endParaRPr lang="en-US" dirty="0"/>
+          </a:p>
+          <a:p>
+            <a:pPr lvl="1"/>
+            <a:r>
+              <a:rPr lang="en-US" dirty="0"/>
+              <a:t>+ </a:t>
+            </a:r>
+            <a:r>
+              <a:rPr lang="en-US" dirty="0" err="1"/>
+              <a:t>.Net</a:t>
             </a:r>
             <a:endParaRPr lang="en-US" dirty="0"/>
           </a:p>
@@ -8160,11 +8366,25 @@
           <a:p>
             <a:r>
               <a:rPr lang="en-US" dirty="0" err="1"/>
+              <a:t>Zxing.Net</a:t>
+            </a:r>
+            <a:r>
+              <a:rPr lang="en-US" dirty="0"/>
+              <a:t> (Barcode Scanning</a:t>
+            </a:r>
+          </a:p>
+          <a:p>
+            <a:r>
+              <a:rPr lang="en-US" dirty="0" err="1"/>
               <a:t>Entwicklungsumgebung</a:t>
             </a:r>
             <a:r>
               <a:rPr lang="en-US" dirty="0"/>
-              <a:t> Visual Studio auf Windows und Mac</a:t>
+              <a:t> Visual Studio auf Windows </a:t>
+            </a:r>
+            <a:r>
+              <a:rPr lang="en-US"/>
+              <a:t>und OSX</a:t>
             </a:r>
             <a:endParaRPr lang="de-CH" dirty="0"/>
           </a:p>
@@ -8247,7 +8467,7 @@
         </p:blipFill>
         <p:spPr>
           <a:xfrm>
-            <a:off x="1508455" y="1323975"/>
+            <a:off x="748227" y="1153854"/>
             <a:ext cx="7858829" cy="5346456"/>
           </a:xfrm>
         </p:spPr>
@@ -8323,7 +8543,7 @@
         </p:blipFill>
         <p:spPr>
           <a:xfrm>
-            <a:off x="723747" y="1312863"/>
+            <a:off x="516417" y="1312863"/>
             <a:ext cx="8504543" cy="4729162"/>
           </a:xfrm>
           <a:prstGeom prst="rect">
@@ -8377,6 +8597,323 @@
           <a:lstStyle/>
           <a:p>
             <a:r>
+              <a:rPr lang="en-US" dirty="0" err="1"/>
+              <a:t>Entstehung</a:t>
+            </a:r>
+            <a:r>
+              <a:rPr lang="en-US" dirty="0"/>
+              <a:t> App Icon und UI Design</a:t>
+            </a:r>
+            <a:endParaRPr lang="de-CH" dirty="0"/>
+          </a:p>
+        </p:txBody>
+      </p:sp>
+      <p:sp>
+        <p:nvSpPr>
+          <p:cNvPr id="6" name="Rechteck 5"/>
+          <p:cNvSpPr/>
+          <p:nvPr/>
+        </p:nvSpPr>
+        <p:spPr>
+          <a:xfrm>
+            <a:off x="894908" y="1557140"/>
+            <a:ext cx="1003004" cy="369332"/>
+          </a:xfrm>
+          <a:prstGeom prst="rect">
+            <a:avLst/>
+          </a:prstGeom>
+        </p:spPr>
+        <p:txBody>
+          <a:bodyPr wrap="square">
+            <a:spAutoFit/>
+          </a:bodyPr>
+          <a:lstStyle/>
+          <a:p>
+            <a:r>
+              <a:rPr lang="en-US" dirty="0" err="1"/>
+              <a:t>Vorher</a:t>
+            </a:r>
+            <a:endParaRPr lang="en-US" dirty="0"/>
+          </a:p>
+        </p:txBody>
+      </p:sp>
+      <p:sp>
+        <p:nvSpPr>
+          <p:cNvPr id="7" name="Rechteck 6"/>
+          <p:cNvSpPr/>
+          <p:nvPr/>
+        </p:nvSpPr>
+        <p:spPr>
+          <a:xfrm>
+            <a:off x="5684874" y="1557140"/>
+            <a:ext cx="1130595" cy="369332"/>
+          </a:xfrm>
+          <a:prstGeom prst="rect">
+            <a:avLst/>
+          </a:prstGeom>
+        </p:spPr>
+        <p:txBody>
+          <a:bodyPr wrap="square">
+            <a:spAutoFit/>
+          </a:bodyPr>
+          <a:lstStyle/>
+          <a:p>
+            <a:r>
+              <a:rPr lang="en-US" dirty="0" err="1"/>
+              <a:t>Nachher</a:t>
+            </a:r>
+            <a:endParaRPr lang="en-US" dirty="0"/>
+          </a:p>
+        </p:txBody>
+      </p:sp>
+      <p:sp>
+        <p:nvSpPr>
+          <p:cNvPr id="8" name="Rechteck 7"/>
+          <p:cNvSpPr/>
+          <p:nvPr/>
+        </p:nvSpPr>
+        <p:spPr>
+          <a:xfrm>
+            <a:off x="965266" y="3754697"/>
+            <a:ext cx="862287" cy="369332"/>
+          </a:xfrm>
+          <a:prstGeom prst="rect">
+            <a:avLst/>
+          </a:prstGeom>
+        </p:spPr>
+        <p:txBody>
+          <a:bodyPr wrap="none">
+            <a:spAutoFit/>
+          </a:bodyPr>
+          <a:lstStyle/>
+          <a:p>
+            <a:r>
+              <a:rPr lang="en-US" dirty="0" err="1"/>
+              <a:t>Vorher</a:t>
+            </a:r>
+            <a:endParaRPr lang="de-CH" dirty="0"/>
+          </a:p>
+        </p:txBody>
+      </p:sp>
+      <p:sp>
+        <p:nvSpPr>
+          <p:cNvPr id="9" name="Rechteck 8"/>
+          <p:cNvSpPr/>
+          <p:nvPr/>
+        </p:nvSpPr>
+        <p:spPr>
+          <a:xfrm>
+            <a:off x="5684874" y="3754697"/>
+            <a:ext cx="1037463" cy="369332"/>
+          </a:xfrm>
+          <a:prstGeom prst="rect">
+            <a:avLst/>
+          </a:prstGeom>
+        </p:spPr>
+        <p:txBody>
+          <a:bodyPr wrap="none">
+            <a:spAutoFit/>
+          </a:bodyPr>
+          <a:lstStyle/>
+          <a:p>
+            <a:r>
+              <a:rPr lang="en-US" dirty="0" err="1"/>
+              <a:t>Nachher</a:t>
+            </a:r>
+            <a:endParaRPr lang="de-CH" dirty="0"/>
+          </a:p>
+        </p:txBody>
+      </p:sp>
+      <p:pic>
+        <p:nvPicPr>
+          <p:cNvPr id="10" name="Grafik 9"/>
+          <p:cNvPicPr>
+            <a:picLocks noChangeAspect="1"/>
+          </p:cNvPicPr>
+          <p:nvPr/>
+        </p:nvPicPr>
+        <p:blipFill>
+          <a:blip r:embed="rId2">
+            <a:extLst>
+              <a:ext uri="{28A0092B-C50C-407E-A947-70E740481C1C}">
+                <a14:useLocalDpi xmlns:a14="http://schemas.microsoft.com/office/drawing/2010/main" val="0"/>
+              </a:ext>
+            </a:extLst>
+          </a:blip>
+          <a:stretch>
+            <a:fillRect/>
+          </a:stretch>
+        </p:blipFill>
+        <p:spPr>
+          <a:xfrm>
+            <a:off x="5525815" y="1997578"/>
+            <a:ext cx="1436738" cy="1436738"/>
+          </a:xfrm>
+          <a:prstGeom prst="rect">
+            <a:avLst/>
+          </a:prstGeom>
+        </p:spPr>
+      </p:pic>
+      <p:pic>
+        <p:nvPicPr>
+          <p:cNvPr id="11" name="Grafik 10"/>
+          <p:cNvPicPr>
+            <a:picLocks noChangeAspect="1"/>
+          </p:cNvPicPr>
+          <p:nvPr/>
+        </p:nvPicPr>
+        <p:blipFill>
+          <a:blip r:embed="rId3"/>
+          <a:stretch>
+            <a:fillRect/>
+          </a:stretch>
+        </p:blipFill>
+        <p:spPr>
+          <a:xfrm>
+            <a:off x="894908" y="4258339"/>
+            <a:ext cx="1334764" cy="2128309"/>
+          </a:xfrm>
+          <a:prstGeom prst="rect">
+            <a:avLst/>
+          </a:prstGeom>
+        </p:spPr>
+      </p:pic>
+      <p:pic>
+        <p:nvPicPr>
+          <p:cNvPr id="12" name="Grafik 11"/>
+          <p:cNvPicPr>
+            <a:picLocks noChangeAspect="1"/>
+          </p:cNvPicPr>
+          <p:nvPr/>
+        </p:nvPicPr>
+        <p:blipFill>
+          <a:blip r:embed="rId4">
+            <a:extLst>
+              <a:ext uri="{28A0092B-C50C-407E-A947-70E740481C1C}">
+                <a14:useLocalDpi xmlns:a14="http://schemas.microsoft.com/office/drawing/2010/main" val="0"/>
+              </a:ext>
+            </a:extLst>
+          </a:blip>
+          <a:stretch>
+            <a:fillRect/>
+          </a:stretch>
+        </p:blipFill>
+        <p:spPr>
+          <a:xfrm>
+            <a:off x="926149" y="2060782"/>
+            <a:ext cx="1403722" cy="1403722"/>
+          </a:xfrm>
+          <a:prstGeom prst="rect">
+            <a:avLst/>
+          </a:prstGeom>
+        </p:spPr>
+      </p:pic>
+      <p:pic>
+        <p:nvPicPr>
+          <p:cNvPr id="13" name="Grafik 12"/>
+          <p:cNvPicPr>
+            <a:picLocks noChangeAspect="1"/>
+          </p:cNvPicPr>
+          <p:nvPr/>
+        </p:nvPicPr>
+        <p:blipFill>
+          <a:blip r:embed="rId5">
+            <a:extLst>
+              <a:ext uri="{28A0092B-C50C-407E-A947-70E740481C1C}">
+                <a14:useLocalDpi xmlns:a14="http://schemas.microsoft.com/office/drawing/2010/main" val="0"/>
+              </a:ext>
+            </a:extLst>
+          </a:blip>
+          <a:stretch>
+            <a:fillRect/>
+          </a:stretch>
+        </p:blipFill>
+        <p:spPr>
+          <a:xfrm>
+            <a:off x="4701000" y="4258339"/>
+            <a:ext cx="1298968" cy="2128309"/>
+          </a:xfrm>
+          <a:prstGeom prst="rect">
+            <a:avLst/>
+          </a:prstGeom>
+        </p:spPr>
+      </p:pic>
+      <p:pic>
+        <p:nvPicPr>
+          <p:cNvPr id="14" name="Grafik 13"/>
+          <p:cNvPicPr>
+            <a:picLocks noChangeAspect="1"/>
+          </p:cNvPicPr>
+          <p:nvPr/>
+        </p:nvPicPr>
+        <p:blipFill>
+          <a:blip r:embed="rId6">
+            <a:extLst>
+              <a:ext uri="{28A0092B-C50C-407E-A947-70E740481C1C}">
+                <a14:useLocalDpi xmlns:a14="http://schemas.microsoft.com/office/drawing/2010/main" val="0"/>
+              </a:ext>
+            </a:extLst>
+          </a:blip>
+          <a:stretch>
+            <a:fillRect/>
+          </a:stretch>
+        </p:blipFill>
+        <p:spPr>
+          <a:xfrm>
+            <a:off x="6318065" y="4258339"/>
+            <a:ext cx="1288976" cy="2128309"/>
+          </a:xfrm>
+          <a:prstGeom prst="rect">
+            <a:avLst/>
+          </a:prstGeom>
+        </p:spPr>
+      </p:pic>
+    </p:spTree>
+    <p:extLst>
+      <p:ext uri="{BB962C8B-B14F-4D97-AF65-F5344CB8AC3E}">
+        <p14:creationId xmlns:p14="http://schemas.microsoft.com/office/powerpoint/2010/main" val="649375642"/>
+      </p:ext>
+    </p:extLst>
+  </p:cSld>
+  <p:clrMapOvr>
+    <a:masterClrMapping/>
+  </p:clrMapOvr>
+</p:sld>
+</file>
+
+<file path=ppt/slides/slide8.xml><?xml version="1.0" encoding="utf-8"?>
+<p:sld xmlns:a="http://schemas.openxmlformats.org/drawingml/2006/main" xmlns:r="http://schemas.openxmlformats.org/officeDocument/2006/relationships" xmlns:p="http://schemas.openxmlformats.org/presentationml/2006/main">
+  <p:cSld>
+    <p:spTree>
+      <p:nvGrpSpPr>
+        <p:cNvPr id="1" name=""/>
+        <p:cNvGrpSpPr/>
+        <p:nvPr/>
+      </p:nvGrpSpPr>
+      <p:grpSpPr>
+        <a:xfrm>
+          <a:off x="0" y="0"/>
+          <a:ext cx="0" cy="0"/>
+          <a:chOff x="0" y="0"/>
+          <a:chExt cx="0" cy="0"/>
+        </a:xfrm>
+      </p:grpSpPr>
+      <p:sp>
+        <p:nvSpPr>
+          <p:cNvPr id="2" name="Titel 1"/>
+          <p:cNvSpPr>
+            <a:spLocks noGrp="1"/>
+          </p:cNvSpPr>
+          <p:nvPr>
+            <p:ph type="title"/>
+          </p:nvPr>
+        </p:nvSpPr>
+        <p:spPr/>
+        <p:txBody>
+          <a:bodyPr/>
+          <a:lstStyle/>
+          <a:p>
+            <a:r>
               <a:rPr lang="en-US" dirty="0"/>
               <a:t>Klassen und Interfaces</a:t>
             </a:r>
@@ -8423,213 +8960,6 @@
 </p:sld>
 </file>
 
-<file path=ppt/slides/slide8.xml><?xml version="1.0" encoding="utf-8"?>
-<p:sld xmlns:a="http://schemas.openxmlformats.org/drawingml/2006/main" xmlns:r="http://schemas.openxmlformats.org/officeDocument/2006/relationships" xmlns:p="http://schemas.openxmlformats.org/presentationml/2006/main">
-  <p:cSld>
-    <p:spTree>
-      <p:nvGrpSpPr>
-        <p:cNvPr id="1" name=""/>
-        <p:cNvGrpSpPr/>
-        <p:nvPr/>
-      </p:nvGrpSpPr>
-      <p:grpSpPr>
-        <a:xfrm>
-          <a:off x="0" y="0"/>
-          <a:ext cx="0" cy="0"/>
-          <a:chOff x="0" y="0"/>
-          <a:chExt cx="0" cy="0"/>
-        </a:xfrm>
-      </p:grpSpPr>
-      <p:sp>
-        <p:nvSpPr>
-          <p:cNvPr id="2" name="Titel 1"/>
-          <p:cNvSpPr>
-            <a:spLocks noGrp="1"/>
-          </p:cNvSpPr>
-          <p:nvPr>
-            <p:ph type="title"/>
-          </p:nvPr>
-        </p:nvSpPr>
-        <p:spPr/>
-        <p:txBody>
-          <a:bodyPr/>
-          <a:lstStyle/>
-          <a:p>
-            <a:r>
-              <a:rPr lang="en-US" dirty="0" err="1"/>
-              <a:t>Aktueller</a:t>
-            </a:r>
-            <a:r>
-              <a:rPr lang="en-US" dirty="0"/>
-              <a:t> Stand</a:t>
-            </a:r>
-            <a:endParaRPr lang="de-CH" dirty="0"/>
-          </a:p>
-        </p:txBody>
-      </p:sp>
-      <p:sp>
-        <p:nvSpPr>
-          <p:cNvPr id="3" name="Inhaltsplatzhalter 2"/>
-          <p:cNvSpPr>
-            <a:spLocks noGrp="1"/>
-          </p:cNvSpPr>
-          <p:nvPr>
-            <p:ph idx="1"/>
-          </p:nvPr>
-        </p:nvSpPr>
-        <p:spPr/>
-        <p:txBody>
-          <a:bodyPr>
-            <a:normAutofit/>
-          </a:bodyPr>
-          <a:lstStyle/>
-          <a:p>
-            <a:r>
-              <a:rPr lang="en-US"/>
-              <a:t>Live Demo</a:t>
-            </a:r>
-            <a:br>
-              <a:rPr lang="en-US"/>
-            </a:br>
-            <a:endParaRPr lang="en-US" dirty="0"/>
-          </a:p>
-          <a:p>
-            <a:r>
-              <a:rPr lang="en-US" dirty="0"/>
-              <a:t>Was </a:t>
-            </a:r>
-            <a:r>
-              <a:rPr lang="en-US" dirty="0" err="1"/>
-              <a:t>funktioniert</a:t>
-            </a:r>
-            <a:r>
-              <a:rPr lang="en-US" dirty="0"/>
-              <a:t> …</a:t>
-            </a:r>
-          </a:p>
-          <a:p>
-            <a:pPr lvl="1"/>
-            <a:r>
-              <a:rPr lang="en-US" dirty="0" err="1"/>
-              <a:t>Datei</a:t>
-            </a:r>
-            <a:r>
-              <a:rPr lang="en-US" dirty="0"/>
-              <a:t> </a:t>
-            </a:r>
-            <a:r>
-              <a:rPr lang="en-US" dirty="0" err="1"/>
-              <a:t>Teilen</a:t>
-            </a:r>
-            <a:r>
-              <a:rPr lang="en-US" dirty="0"/>
-              <a:t>, </a:t>
-            </a:r>
-            <a:r>
-              <a:rPr lang="en-US" dirty="0" err="1"/>
-              <a:t>Datei</a:t>
-            </a:r>
-            <a:r>
-              <a:rPr lang="en-US" dirty="0"/>
-              <a:t> </a:t>
-            </a:r>
-            <a:r>
-              <a:rPr lang="en-US" dirty="0" err="1"/>
-              <a:t>Empfangen</a:t>
-            </a:r>
-            <a:br>
-              <a:rPr lang="en-US" dirty="0"/>
-            </a:br>
-            <a:endParaRPr lang="en-US" dirty="0"/>
-          </a:p>
-          <a:p>
-            <a:r>
-              <a:rPr lang="en-US" dirty="0"/>
-              <a:t>Was </a:t>
-            </a:r>
-            <a:r>
-              <a:rPr lang="en-US" dirty="0" err="1"/>
-              <a:t>funktioniert</a:t>
-            </a:r>
-            <a:r>
-              <a:rPr lang="en-US" dirty="0"/>
-              <a:t> </a:t>
-            </a:r>
-            <a:r>
-              <a:rPr lang="en-US" dirty="0" err="1"/>
-              <a:t>noch</a:t>
-            </a:r>
-            <a:r>
-              <a:rPr lang="en-US" dirty="0"/>
-              <a:t> </a:t>
-            </a:r>
-            <a:r>
-              <a:rPr lang="en-US" dirty="0" err="1"/>
-              <a:t>nicht</a:t>
-            </a:r>
-            <a:r>
-              <a:rPr lang="en-US" dirty="0"/>
-              <a:t>…</a:t>
-            </a:r>
-          </a:p>
-          <a:p>
-            <a:pPr lvl="1"/>
-            <a:r>
-              <a:rPr lang="en-US" dirty="0" err="1"/>
-              <a:t>Shareing</a:t>
-            </a:r>
-            <a:r>
-              <a:rPr lang="en-US" dirty="0"/>
-              <a:t> </a:t>
-            </a:r>
-            <a:r>
-              <a:rPr lang="en-US" dirty="0" err="1"/>
-              <a:t>empfangener</a:t>
-            </a:r>
-            <a:r>
-              <a:rPr lang="en-US" dirty="0"/>
-              <a:t> </a:t>
-            </a:r>
-            <a:r>
-              <a:rPr lang="en-US" dirty="0" err="1"/>
-              <a:t>Datei</a:t>
-            </a:r>
-            <a:endParaRPr lang="en-US" dirty="0"/>
-          </a:p>
-          <a:p>
-            <a:pPr lvl="1"/>
-            <a:r>
-              <a:rPr lang="en-US" dirty="0"/>
-              <a:t>iOS</a:t>
-            </a:r>
-          </a:p>
-          <a:p>
-            <a:pPr marL="0" indent="0">
-              <a:buNone/>
-            </a:pPr>
-            <a:endParaRPr lang="en-US" dirty="0"/>
-          </a:p>
-          <a:p>
-            <a:pPr marL="0" indent="0">
-              <a:buNone/>
-            </a:pPr>
-            <a:endParaRPr lang="de-CH" dirty="0"/>
-          </a:p>
-        </p:txBody>
-      </p:sp>
-    </p:spTree>
-    <p:extLst>
-      <p:ext uri="{BB962C8B-B14F-4D97-AF65-F5344CB8AC3E}">
-        <p14:creationId xmlns:p14="http://schemas.microsoft.com/office/powerpoint/2010/main" val="3738103134"/>
-      </p:ext>
-    </p:extLst>
-  </p:cSld>
-  <p:clrMapOvr>
-    <a:masterClrMapping/>
-  </p:clrMapOvr>
-</p:sld>
-</file>
-
 <file path=ppt/slides/slide9.xml><?xml version="1.0" encoding="utf-8"?>
 <p:sld xmlns:a="http://schemas.openxmlformats.org/drawingml/2006/main" xmlns:r="http://schemas.openxmlformats.org/officeDocument/2006/relationships" xmlns:p="http://schemas.openxmlformats.org/presentationml/2006/main">
   <p:cSld>
@@ -8663,12 +8993,12 @@
           <a:lstStyle/>
           <a:p>
             <a:r>
-              <a:rPr lang="en-US" dirty="0"/>
-              <a:t>Reto </a:t>
-            </a:r>
-            <a:r>
-              <a:rPr lang="en-US" dirty="0" err="1"/>
-              <a:t>Infanger</a:t>
+              <a:rPr lang="en-US" dirty="0" err="1"/>
+              <a:t>Aktueller</a:t>
+            </a:r>
+            <a:r>
+              <a:rPr lang="en-US" dirty="0"/>
+              <a:t> Stand</a:t>
             </a:r>
             <a:endParaRPr lang="de-CH" dirty="0"/>
           </a:p>
@@ -8686,61 +9016,39 @@
         </p:nvSpPr>
         <p:spPr/>
         <p:txBody>
-          <a:bodyPr/>
+          <a:bodyPr>
+            <a:normAutofit/>
+          </a:bodyPr>
           <a:lstStyle/>
           <a:p>
             <a:r>
-              <a:rPr lang="en-US" dirty="0" err="1"/>
-              <a:t>Aufgaben</a:t>
-            </a:r>
-            <a:endParaRPr lang="en-US" dirty="0"/>
-          </a:p>
-          <a:p>
-            <a:pPr lvl="1"/>
-            <a:r>
-              <a:rPr lang="en-US" dirty="0"/>
-              <a:t>Design der App</a:t>
-            </a:r>
-          </a:p>
-          <a:p>
-            <a:pPr lvl="1"/>
-            <a:r>
-              <a:rPr lang="en-US" dirty="0"/>
-              <a:t>Icons</a:t>
-            </a:r>
-          </a:p>
-          <a:p>
-            <a:pPr lvl="1"/>
-            <a:r>
-              <a:rPr lang="en-US" dirty="0"/>
-              <a:t>MVVM</a:t>
-            </a:r>
-          </a:p>
-          <a:p>
-            <a:endParaRPr lang="en-US" dirty="0"/>
-          </a:p>
-          <a:p>
-            <a:r>
-              <a:rPr lang="en-US" dirty="0" err="1"/>
-              <a:t>Umsetzung</a:t>
-            </a:r>
-            <a:r>
-              <a:rPr lang="en-US" dirty="0"/>
-              <a:t>, </a:t>
-            </a:r>
-            <a:r>
-              <a:rPr lang="en-US" dirty="0" err="1"/>
-              <a:t>Vorgehen</a:t>
+              <a:rPr lang="en-US"/>
+              <a:t>Live Demo</a:t>
             </a:r>
             <a:br>
-              <a:rPr lang="en-US" dirty="0"/>
+              <a:rPr lang="en-US"/>
             </a:br>
             <a:endParaRPr lang="en-US" dirty="0"/>
           </a:p>
           <a:p>
             <a:r>
-              <a:rPr lang="en-US" dirty="0" err="1"/>
-              <a:t>Persönliches</a:t>
+              <a:rPr lang="en-US" dirty="0"/>
+              <a:t>Was </a:t>
+            </a:r>
+            <a:r>
+              <a:rPr lang="en-US" dirty="0" err="1"/>
+              <a:t>funktioniert</a:t>
+            </a:r>
+            <a:r>
+              <a:rPr lang="en-US" dirty="0"/>
+              <a:t> …</a:t>
+            </a:r>
+          </a:p>
+          <a:p>
+            <a:pPr lvl="1"/>
+            <a:r>
+              <a:rPr lang="en-US" dirty="0" err="1"/>
+              <a:t>Datei</a:t>
             </a:r>
             <a:r>
               <a:rPr lang="en-US" dirty="0"/>
@@ -8748,14 +9056,100 @@
             </a:r>
             <a:r>
               <a:rPr lang="en-US" dirty="0" err="1"/>
-              <a:t>Fazit</a:t>
-            </a:r>
-            <a:r>
-              <a:rPr lang="en-US" dirty="0"/>
-              <a:t>, Learnings</a:t>
-            </a:r>
-          </a:p>
-          <a:p>
+              <a:t>Teilen</a:t>
+            </a:r>
+            <a:r>
+              <a:rPr lang="en-US" dirty="0"/>
+              <a:t>, </a:t>
+            </a:r>
+            <a:r>
+              <a:rPr lang="en-US" dirty="0" err="1"/>
+              <a:t>Datei</a:t>
+            </a:r>
+            <a:r>
+              <a:rPr lang="en-US" dirty="0"/>
+              <a:t> </a:t>
+            </a:r>
+            <a:r>
+              <a:rPr lang="en-US" dirty="0" err="1"/>
+              <a:t>Empfangen</a:t>
+            </a:r>
+            <a:br>
+              <a:rPr lang="en-US" dirty="0"/>
+            </a:br>
+            <a:endParaRPr lang="en-US" dirty="0"/>
+          </a:p>
+          <a:p>
+            <a:r>
+              <a:rPr lang="en-US" dirty="0"/>
+              <a:t>Was </a:t>
+            </a:r>
+            <a:r>
+              <a:rPr lang="en-US" dirty="0" err="1"/>
+              <a:t>funktioniert</a:t>
+            </a:r>
+            <a:r>
+              <a:rPr lang="en-US" dirty="0"/>
+              <a:t> </a:t>
+            </a:r>
+            <a:r>
+              <a:rPr lang="en-US" dirty="0" err="1"/>
+              <a:t>noch</a:t>
+            </a:r>
+            <a:r>
+              <a:rPr lang="en-US" dirty="0"/>
+              <a:t> </a:t>
+            </a:r>
+            <a:r>
+              <a:rPr lang="en-US" dirty="0" err="1"/>
+              <a:t>nicht</a:t>
+            </a:r>
+            <a:r>
+              <a:rPr lang="en-US" dirty="0"/>
+              <a:t>…</a:t>
+            </a:r>
+          </a:p>
+          <a:p>
+            <a:pPr lvl="1"/>
+            <a:r>
+              <a:rPr lang="en-US" dirty="0" err="1"/>
+              <a:t>Shareing</a:t>
+            </a:r>
+            <a:r>
+              <a:rPr lang="en-US" dirty="0"/>
+              <a:t> </a:t>
+            </a:r>
+            <a:r>
+              <a:rPr lang="en-US" dirty="0" err="1"/>
+              <a:t>empfangener</a:t>
+            </a:r>
+            <a:r>
+              <a:rPr lang="en-US" dirty="0"/>
+              <a:t> </a:t>
+            </a:r>
+            <a:r>
+              <a:rPr lang="en-US" dirty="0" err="1"/>
+              <a:t>Datei</a:t>
+            </a:r>
+            <a:endParaRPr lang="en-US" dirty="0"/>
+          </a:p>
+          <a:p>
+            <a:pPr lvl="1"/>
+            <a:r>
+              <a:rPr lang="en-US" dirty="0"/>
+              <a:t>iOS</a:t>
+            </a:r>
+          </a:p>
+          <a:p>
+            <a:pPr marL="0" indent="0">
+              <a:buNone/>
+            </a:pPr>
+            <a:endParaRPr lang="en-US" dirty="0"/>
+          </a:p>
+          <a:p>
+            <a:pPr marL="0" indent="0">
+              <a:buNone/>
+            </a:pPr>
             <a:endParaRPr lang="de-CH" dirty="0"/>
           </a:p>
         </p:txBody>
@@ -8763,7 +9157,7 @@
     </p:spTree>
     <p:extLst>
       <p:ext uri="{BB962C8B-B14F-4D97-AF65-F5344CB8AC3E}">
-        <p14:creationId xmlns:p14="http://schemas.microsoft.com/office/powerpoint/2010/main" val="1577424640"/>
+        <p14:creationId xmlns:p14="http://schemas.microsoft.com/office/powerpoint/2010/main" val="3738103134"/>
       </p:ext>
     </p:extLst>
   </p:cSld>
